--- a/baocao_CSDL.pptx
+++ b/baocao_CSDL.pptx
@@ -307,7 +307,7 @@
               <a:pPr>
                 <a:defRPr/>
               </a:pPr>
-              <a:t>12/3/2017</a:t>
+              <a:t>12/4/2017</a:t>
             </a:fld>
             <a:endParaRPr lang="en-US"/>
           </a:p>
@@ -5835,7 +5835,7 @@
             </a:pPr>
             <a:fld id="{FA761AE1-1ECC-4E2F-A3AD-72D3CBE66A40}" type="datetime1">
               <a:rPr lang="en-US" smtClean="0"/>
-              <a:t>12/3/2017</a:t>
+              <a:t>12/4/2017</a:t>
             </a:fld>
             <a:endParaRPr lang="en-US"/>
           </a:p>
@@ -10747,7 +10747,7 @@
             </a:pPr>
             <a:fld id="{49B261EF-BC96-4E7A-8FD1-8F2A93D8D5F6}" type="datetime1">
               <a:rPr lang="en-US" smtClean="0"/>
-              <a:t>12/3/2017</a:t>
+              <a:t>12/4/2017</a:t>
             </a:fld>
             <a:endParaRPr lang="en-US"/>
           </a:p>
@@ -15701,7 +15701,7 @@
             </a:pPr>
             <a:fld id="{DE383544-2E09-4769-A856-8AB83E5388F4}" type="datetime1">
               <a:rPr lang="en-US" smtClean="0"/>
-              <a:t>12/3/2017</a:t>
+              <a:t>12/4/2017</a:t>
             </a:fld>
             <a:endParaRPr lang="en-US"/>
           </a:p>
@@ -19205,7 +19205,7 @@
             </a:pPr>
             <a:fld id="{3A4CD536-E8BB-44E8-A3E9-D2FB0414BE7C}" type="datetime1">
               <a:rPr lang="en-US" smtClean="0"/>
-              <a:t>12/3/2017</a:t>
+              <a:t>12/4/2017</a:t>
             </a:fld>
             <a:endParaRPr lang="en-US"/>
           </a:p>
@@ -19352,7 +19352,7 @@
             </a:pPr>
             <a:fld id="{BFE12640-B1A0-4094-BFDB-106D3B12860A}" type="datetime1">
               <a:rPr lang="en-US" smtClean="0"/>
-              <a:t>12/3/2017</a:t>
+              <a:t>12/4/2017</a:t>
             </a:fld>
             <a:endParaRPr lang="en-US"/>
           </a:p>
@@ -19477,7 +19477,7 @@
             </a:pPr>
             <a:fld id="{454E5F7C-2ED8-4BB2-8E36-93338476A0EC}" type="datetime1">
               <a:rPr lang="en-US" smtClean="0"/>
-              <a:t>12/3/2017</a:t>
+              <a:t>12/4/2017</a:t>
             </a:fld>
             <a:endParaRPr lang="en-US"/>
           </a:p>
@@ -19675,7 +19675,7 @@
             </a:pPr>
             <a:fld id="{D42812EE-2144-43ED-8A56-41AFD4513731}" type="datetime1">
               <a:rPr lang="en-US" smtClean="0"/>
-              <a:t>12/3/2017</a:t>
+              <a:t>12/4/2017</a:t>
             </a:fld>
             <a:endParaRPr lang="en-US"/>
           </a:p>
@@ -22022,7 +22022,7 @@
             </a:pPr>
             <a:fld id="{6A6581D5-D024-4225-AF89-67AF996A5B4D}" type="datetime1">
               <a:rPr lang="en-US" smtClean="0"/>
-              <a:t>12/3/2017</a:t>
+              <a:t>12/4/2017</a:t>
             </a:fld>
             <a:endParaRPr lang="en-US"/>
           </a:p>
@@ -24022,227 +24022,6 @@
   <p:clrMapOvr>
     <a:masterClrMapping/>
   </p:clrMapOvr>
-  <p:timing>
-    <p:tnLst>
-      <p:par>
-        <p:cTn id="1" dur="indefinite" restart="never" nodeType="tmRoot">
-          <p:childTnLst>
-            <p:seq concurrent="1" nextAc="seek">
-              <p:cTn id="2" dur="indefinite" nodeType="mainSeq">
-                <p:childTnLst>
-                  <p:par>
-                    <p:cTn id="3" fill="hold">
-                      <p:stCondLst>
-                        <p:cond delay="indefinite"/>
-                      </p:stCondLst>
-                      <p:childTnLst>
-                        <p:par>
-                          <p:cTn id="4" fill="hold">
-                            <p:stCondLst>
-                              <p:cond delay="0"/>
-                            </p:stCondLst>
-                            <p:childTnLst>
-                              <p:par>
-                                <p:cTn id="5" presetID="2" presetClass="entr" presetSubtype="4" fill="hold" grpId="0" nodeType="clickEffect">
-                                  <p:stCondLst>
-                                    <p:cond delay="0"/>
-                                  </p:stCondLst>
-                                  <p:childTnLst>
-                                    <p:set>
-                                      <p:cBhvr>
-                                        <p:cTn id="6" dur="1" fill="hold">
-                                          <p:stCondLst>
-                                            <p:cond delay="0"/>
-                                          </p:stCondLst>
-                                        </p:cTn>
-                                        <p:tgtEl>
-                                          <p:spTgt spid="3">
-                                            <p:txEl>
-                                              <p:pRg st="0" end="0"/>
-                                            </p:txEl>
-                                          </p:spTgt>
-                                        </p:tgtEl>
-                                        <p:attrNameLst>
-                                          <p:attrName>style.visibility</p:attrName>
-                                        </p:attrNameLst>
-                                      </p:cBhvr>
-                                      <p:to>
-                                        <p:strVal val="visible"/>
-                                      </p:to>
-                                    </p:set>
-                                    <p:anim calcmode="lin" valueType="num">
-                                      <p:cBhvr additive="base">
-                                        <p:cTn id="7" dur="250" fill="hold"/>
-                                        <p:tgtEl>
-                                          <p:spTgt spid="3">
-                                            <p:txEl>
-                                              <p:pRg st="0" end="0"/>
-                                            </p:txEl>
-                                          </p:spTgt>
-                                        </p:tgtEl>
-                                        <p:attrNameLst>
-                                          <p:attrName>ppt_x</p:attrName>
-                                        </p:attrNameLst>
-                                      </p:cBhvr>
-                                      <p:tavLst>
-                                        <p:tav tm="0">
-                                          <p:val>
-                                            <p:strVal val="#ppt_x"/>
-                                          </p:val>
-                                        </p:tav>
-                                        <p:tav tm="100000">
-                                          <p:val>
-                                            <p:strVal val="#ppt_x"/>
-                                          </p:val>
-                                        </p:tav>
-                                      </p:tavLst>
-                                    </p:anim>
-                                    <p:anim calcmode="lin" valueType="num">
-                                      <p:cBhvr additive="base">
-                                        <p:cTn id="8" dur="250" fill="hold"/>
-                                        <p:tgtEl>
-                                          <p:spTgt spid="3">
-                                            <p:txEl>
-                                              <p:pRg st="0" end="0"/>
-                                            </p:txEl>
-                                          </p:spTgt>
-                                        </p:tgtEl>
-                                        <p:attrNameLst>
-                                          <p:attrName>ppt_y</p:attrName>
-                                        </p:attrNameLst>
-                                      </p:cBhvr>
-                                      <p:tavLst>
-                                        <p:tav tm="0">
-                                          <p:val>
-                                            <p:strVal val="1+#ppt_h/2"/>
-                                          </p:val>
-                                        </p:tav>
-                                        <p:tav tm="100000">
-                                          <p:val>
-                                            <p:strVal val="#ppt_y"/>
-                                          </p:val>
-                                        </p:tav>
-                                      </p:tavLst>
-                                    </p:anim>
-                                  </p:childTnLst>
-                                </p:cTn>
-                              </p:par>
-                              <p:par>
-                                <p:cTn id="9" presetID="2" presetClass="entr" presetSubtype="4" fill="hold" grpId="0" nodeType="withEffect">
-                                  <p:stCondLst>
-                                    <p:cond delay="0"/>
-                                  </p:stCondLst>
-                                  <p:childTnLst>
-                                    <p:set>
-                                      <p:cBhvr>
-                                        <p:cTn id="10" dur="1" fill="hold">
-                                          <p:stCondLst>
-                                            <p:cond delay="0"/>
-                                          </p:stCondLst>
-                                        </p:cTn>
-                                        <p:tgtEl>
-                                          <p:spTgt spid="3">
-                                            <p:txEl>
-                                              <p:pRg st="1" end="1"/>
-                                            </p:txEl>
-                                          </p:spTgt>
-                                        </p:tgtEl>
-                                        <p:attrNameLst>
-                                          <p:attrName>style.visibility</p:attrName>
-                                        </p:attrNameLst>
-                                      </p:cBhvr>
-                                      <p:to>
-                                        <p:strVal val="visible"/>
-                                      </p:to>
-                                    </p:set>
-                                    <p:anim calcmode="lin" valueType="num">
-                                      <p:cBhvr additive="base">
-                                        <p:cTn id="11" dur="250" fill="hold"/>
-                                        <p:tgtEl>
-                                          <p:spTgt spid="3">
-                                            <p:txEl>
-                                              <p:pRg st="1" end="1"/>
-                                            </p:txEl>
-                                          </p:spTgt>
-                                        </p:tgtEl>
-                                        <p:attrNameLst>
-                                          <p:attrName>ppt_x</p:attrName>
-                                        </p:attrNameLst>
-                                      </p:cBhvr>
-                                      <p:tavLst>
-                                        <p:tav tm="0">
-                                          <p:val>
-                                            <p:strVal val="#ppt_x"/>
-                                          </p:val>
-                                        </p:tav>
-                                        <p:tav tm="100000">
-                                          <p:val>
-                                            <p:strVal val="#ppt_x"/>
-                                          </p:val>
-                                        </p:tav>
-                                      </p:tavLst>
-                                    </p:anim>
-                                    <p:anim calcmode="lin" valueType="num">
-                                      <p:cBhvr additive="base">
-                                        <p:cTn id="12" dur="250" fill="hold"/>
-                                        <p:tgtEl>
-                                          <p:spTgt spid="3">
-                                            <p:txEl>
-                                              <p:pRg st="1" end="1"/>
-                                            </p:txEl>
-                                          </p:spTgt>
-                                        </p:tgtEl>
-                                        <p:attrNameLst>
-                                          <p:attrName>ppt_y</p:attrName>
-                                        </p:attrNameLst>
-                                      </p:cBhvr>
-                                      <p:tavLst>
-                                        <p:tav tm="0">
-                                          <p:val>
-                                            <p:strVal val="1+#ppt_h/2"/>
-                                          </p:val>
-                                        </p:tav>
-                                        <p:tav tm="100000">
-                                          <p:val>
-                                            <p:strVal val="#ppt_y"/>
-                                          </p:val>
-                                        </p:tav>
-                                      </p:tavLst>
-                                    </p:anim>
-                                  </p:childTnLst>
-                                </p:cTn>
-                              </p:par>
-                            </p:childTnLst>
-                          </p:cTn>
-                        </p:par>
-                      </p:childTnLst>
-                    </p:cTn>
-                  </p:par>
-                </p:childTnLst>
-              </p:cTn>
-              <p:prevCondLst>
-                <p:cond evt="onPrev" delay="0">
-                  <p:tgtEl>
-                    <p:sldTgt/>
-                  </p:tgtEl>
-                </p:cond>
-              </p:prevCondLst>
-              <p:nextCondLst>
-                <p:cond evt="onNext" delay="0">
-                  <p:tgtEl>
-                    <p:sldTgt/>
-                  </p:tgtEl>
-                </p:cond>
-              </p:nextCondLst>
-            </p:seq>
-          </p:childTnLst>
-        </p:cTn>
-      </p:par>
-    </p:tnLst>
-    <p:bldLst>
-      <p:bldP spid="3" grpId="0" uiExpand="1" build="p"/>
-    </p:bldLst>
-  </p:timing>
 </p:sld>
 </file>
 
@@ -24582,227 +24361,6 @@
   <p:clrMapOvr>
     <a:masterClrMapping/>
   </p:clrMapOvr>
-  <p:timing>
-    <p:tnLst>
-      <p:par>
-        <p:cTn id="1" dur="indefinite" restart="never" nodeType="tmRoot">
-          <p:childTnLst>
-            <p:seq concurrent="1" nextAc="seek">
-              <p:cTn id="2" dur="indefinite" nodeType="mainSeq">
-                <p:childTnLst>
-                  <p:par>
-                    <p:cTn id="3" fill="hold">
-                      <p:stCondLst>
-                        <p:cond delay="indefinite"/>
-                      </p:stCondLst>
-                      <p:childTnLst>
-                        <p:par>
-                          <p:cTn id="4" fill="hold">
-                            <p:stCondLst>
-                              <p:cond delay="0"/>
-                            </p:stCondLst>
-                            <p:childTnLst>
-                              <p:par>
-                                <p:cTn id="5" presetID="2" presetClass="entr" presetSubtype="4" fill="hold" grpId="0" nodeType="clickEffect">
-                                  <p:stCondLst>
-                                    <p:cond delay="0"/>
-                                  </p:stCondLst>
-                                  <p:childTnLst>
-                                    <p:set>
-                                      <p:cBhvr>
-                                        <p:cTn id="6" dur="1" fill="hold">
-                                          <p:stCondLst>
-                                            <p:cond delay="0"/>
-                                          </p:stCondLst>
-                                        </p:cTn>
-                                        <p:tgtEl>
-                                          <p:spTgt spid="3">
-                                            <p:txEl>
-                                              <p:pRg st="0" end="0"/>
-                                            </p:txEl>
-                                          </p:spTgt>
-                                        </p:tgtEl>
-                                        <p:attrNameLst>
-                                          <p:attrName>style.visibility</p:attrName>
-                                        </p:attrNameLst>
-                                      </p:cBhvr>
-                                      <p:to>
-                                        <p:strVal val="visible"/>
-                                      </p:to>
-                                    </p:set>
-                                    <p:anim calcmode="lin" valueType="num">
-                                      <p:cBhvr additive="base">
-                                        <p:cTn id="7" dur="250" fill="hold"/>
-                                        <p:tgtEl>
-                                          <p:spTgt spid="3">
-                                            <p:txEl>
-                                              <p:pRg st="0" end="0"/>
-                                            </p:txEl>
-                                          </p:spTgt>
-                                        </p:tgtEl>
-                                        <p:attrNameLst>
-                                          <p:attrName>ppt_x</p:attrName>
-                                        </p:attrNameLst>
-                                      </p:cBhvr>
-                                      <p:tavLst>
-                                        <p:tav tm="0">
-                                          <p:val>
-                                            <p:strVal val="#ppt_x"/>
-                                          </p:val>
-                                        </p:tav>
-                                        <p:tav tm="100000">
-                                          <p:val>
-                                            <p:strVal val="#ppt_x"/>
-                                          </p:val>
-                                        </p:tav>
-                                      </p:tavLst>
-                                    </p:anim>
-                                    <p:anim calcmode="lin" valueType="num">
-                                      <p:cBhvr additive="base">
-                                        <p:cTn id="8" dur="250" fill="hold"/>
-                                        <p:tgtEl>
-                                          <p:spTgt spid="3">
-                                            <p:txEl>
-                                              <p:pRg st="0" end="0"/>
-                                            </p:txEl>
-                                          </p:spTgt>
-                                        </p:tgtEl>
-                                        <p:attrNameLst>
-                                          <p:attrName>ppt_y</p:attrName>
-                                        </p:attrNameLst>
-                                      </p:cBhvr>
-                                      <p:tavLst>
-                                        <p:tav tm="0">
-                                          <p:val>
-                                            <p:strVal val="1+#ppt_h/2"/>
-                                          </p:val>
-                                        </p:tav>
-                                        <p:tav tm="100000">
-                                          <p:val>
-                                            <p:strVal val="#ppt_y"/>
-                                          </p:val>
-                                        </p:tav>
-                                      </p:tavLst>
-                                    </p:anim>
-                                  </p:childTnLst>
-                                </p:cTn>
-                              </p:par>
-                              <p:par>
-                                <p:cTn id="9" presetID="2" presetClass="entr" presetSubtype="4" fill="hold" grpId="0" nodeType="withEffect">
-                                  <p:stCondLst>
-                                    <p:cond delay="0"/>
-                                  </p:stCondLst>
-                                  <p:childTnLst>
-                                    <p:set>
-                                      <p:cBhvr>
-                                        <p:cTn id="10" dur="1" fill="hold">
-                                          <p:stCondLst>
-                                            <p:cond delay="0"/>
-                                          </p:stCondLst>
-                                        </p:cTn>
-                                        <p:tgtEl>
-                                          <p:spTgt spid="3">
-                                            <p:txEl>
-                                              <p:pRg st="1" end="1"/>
-                                            </p:txEl>
-                                          </p:spTgt>
-                                        </p:tgtEl>
-                                        <p:attrNameLst>
-                                          <p:attrName>style.visibility</p:attrName>
-                                        </p:attrNameLst>
-                                      </p:cBhvr>
-                                      <p:to>
-                                        <p:strVal val="visible"/>
-                                      </p:to>
-                                    </p:set>
-                                    <p:anim calcmode="lin" valueType="num">
-                                      <p:cBhvr additive="base">
-                                        <p:cTn id="11" dur="250" fill="hold"/>
-                                        <p:tgtEl>
-                                          <p:spTgt spid="3">
-                                            <p:txEl>
-                                              <p:pRg st="1" end="1"/>
-                                            </p:txEl>
-                                          </p:spTgt>
-                                        </p:tgtEl>
-                                        <p:attrNameLst>
-                                          <p:attrName>ppt_x</p:attrName>
-                                        </p:attrNameLst>
-                                      </p:cBhvr>
-                                      <p:tavLst>
-                                        <p:tav tm="0">
-                                          <p:val>
-                                            <p:strVal val="#ppt_x"/>
-                                          </p:val>
-                                        </p:tav>
-                                        <p:tav tm="100000">
-                                          <p:val>
-                                            <p:strVal val="#ppt_x"/>
-                                          </p:val>
-                                        </p:tav>
-                                      </p:tavLst>
-                                    </p:anim>
-                                    <p:anim calcmode="lin" valueType="num">
-                                      <p:cBhvr additive="base">
-                                        <p:cTn id="12" dur="250" fill="hold"/>
-                                        <p:tgtEl>
-                                          <p:spTgt spid="3">
-                                            <p:txEl>
-                                              <p:pRg st="1" end="1"/>
-                                            </p:txEl>
-                                          </p:spTgt>
-                                        </p:tgtEl>
-                                        <p:attrNameLst>
-                                          <p:attrName>ppt_y</p:attrName>
-                                        </p:attrNameLst>
-                                      </p:cBhvr>
-                                      <p:tavLst>
-                                        <p:tav tm="0">
-                                          <p:val>
-                                            <p:strVal val="1+#ppt_h/2"/>
-                                          </p:val>
-                                        </p:tav>
-                                        <p:tav tm="100000">
-                                          <p:val>
-                                            <p:strVal val="#ppt_y"/>
-                                          </p:val>
-                                        </p:tav>
-                                      </p:tavLst>
-                                    </p:anim>
-                                  </p:childTnLst>
-                                </p:cTn>
-                              </p:par>
-                            </p:childTnLst>
-                          </p:cTn>
-                        </p:par>
-                      </p:childTnLst>
-                    </p:cTn>
-                  </p:par>
-                </p:childTnLst>
-              </p:cTn>
-              <p:prevCondLst>
-                <p:cond evt="onPrev" delay="0">
-                  <p:tgtEl>
-                    <p:sldTgt/>
-                  </p:tgtEl>
-                </p:cond>
-              </p:prevCondLst>
-              <p:nextCondLst>
-                <p:cond evt="onNext" delay="0">
-                  <p:tgtEl>
-                    <p:sldTgt/>
-                  </p:tgtEl>
-                </p:cond>
-              </p:nextCondLst>
-            </p:seq>
-          </p:childTnLst>
-        </p:cTn>
-      </p:par>
-    </p:tnLst>
-    <p:bldLst>
-      <p:bldP spid="3" grpId="0" uiExpand="1" build="p"/>
-    </p:bldLst>
-  </p:timing>
 </p:sld>
 </file>
 
@@ -25306,482 +24864,6 @@
   <p:clrMapOvr>
     <a:masterClrMapping/>
   </p:clrMapOvr>
-  <p:timing>
-    <p:tnLst>
-      <p:par>
-        <p:cTn id="1" dur="indefinite" restart="never" nodeType="tmRoot">
-          <p:childTnLst>
-            <p:seq concurrent="1" nextAc="seek">
-              <p:cTn id="2" dur="indefinite" nodeType="mainSeq">
-                <p:childTnLst>
-                  <p:par>
-                    <p:cTn id="3" fill="hold">
-                      <p:stCondLst>
-                        <p:cond delay="indefinite"/>
-                      </p:stCondLst>
-                      <p:childTnLst>
-                        <p:par>
-                          <p:cTn id="4" fill="hold">
-                            <p:stCondLst>
-                              <p:cond delay="0"/>
-                            </p:stCondLst>
-                            <p:childTnLst>
-                              <p:par>
-                                <p:cTn id="5" presetID="2" presetClass="entr" presetSubtype="4" fill="hold" grpId="0" nodeType="clickEffect">
-                                  <p:stCondLst>
-                                    <p:cond delay="0"/>
-                                  </p:stCondLst>
-                                  <p:childTnLst>
-                                    <p:set>
-                                      <p:cBhvr>
-                                        <p:cTn id="6" dur="1" fill="hold">
-                                          <p:stCondLst>
-                                            <p:cond delay="0"/>
-                                          </p:stCondLst>
-                                        </p:cTn>
-                                        <p:tgtEl>
-                                          <p:spTgt spid="3">
-                                            <p:txEl>
-                                              <p:pRg st="0" end="0"/>
-                                            </p:txEl>
-                                          </p:spTgt>
-                                        </p:tgtEl>
-                                        <p:attrNameLst>
-                                          <p:attrName>style.visibility</p:attrName>
-                                        </p:attrNameLst>
-                                      </p:cBhvr>
-                                      <p:to>
-                                        <p:strVal val="visible"/>
-                                      </p:to>
-                                    </p:set>
-                                    <p:anim calcmode="lin" valueType="num">
-                                      <p:cBhvr additive="base">
-                                        <p:cTn id="7" dur="250" fill="hold"/>
-                                        <p:tgtEl>
-                                          <p:spTgt spid="3">
-                                            <p:txEl>
-                                              <p:pRg st="0" end="0"/>
-                                            </p:txEl>
-                                          </p:spTgt>
-                                        </p:tgtEl>
-                                        <p:attrNameLst>
-                                          <p:attrName>ppt_x</p:attrName>
-                                        </p:attrNameLst>
-                                      </p:cBhvr>
-                                      <p:tavLst>
-                                        <p:tav tm="0">
-                                          <p:val>
-                                            <p:strVal val="#ppt_x"/>
-                                          </p:val>
-                                        </p:tav>
-                                        <p:tav tm="100000">
-                                          <p:val>
-                                            <p:strVal val="#ppt_x"/>
-                                          </p:val>
-                                        </p:tav>
-                                      </p:tavLst>
-                                    </p:anim>
-                                    <p:anim calcmode="lin" valueType="num">
-                                      <p:cBhvr additive="base">
-                                        <p:cTn id="8" dur="250" fill="hold"/>
-                                        <p:tgtEl>
-                                          <p:spTgt spid="3">
-                                            <p:txEl>
-                                              <p:pRg st="0" end="0"/>
-                                            </p:txEl>
-                                          </p:spTgt>
-                                        </p:tgtEl>
-                                        <p:attrNameLst>
-                                          <p:attrName>ppt_y</p:attrName>
-                                        </p:attrNameLst>
-                                      </p:cBhvr>
-                                      <p:tavLst>
-                                        <p:tav tm="0">
-                                          <p:val>
-                                            <p:strVal val="1+#ppt_h/2"/>
-                                          </p:val>
-                                        </p:tav>
-                                        <p:tav tm="100000">
-                                          <p:val>
-                                            <p:strVal val="#ppt_y"/>
-                                          </p:val>
-                                        </p:tav>
-                                      </p:tavLst>
-                                    </p:anim>
-                                  </p:childTnLst>
-                                </p:cTn>
-                              </p:par>
-                              <p:par>
-                                <p:cTn id="9" presetID="2" presetClass="entr" presetSubtype="4" fill="hold" grpId="0" nodeType="withEffect">
-                                  <p:stCondLst>
-                                    <p:cond delay="0"/>
-                                  </p:stCondLst>
-                                  <p:childTnLst>
-                                    <p:set>
-                                      <p:cBhvr>
-                                        <p:cTn id="10" dur="1" fill="hold">
-                                          <p:stCondLst>
-                                            <p:cond delay="0"/>
-                                          </p:stCondLst>
-                                        </p:cTn>
-                                        <p:tgtEl>
-                                          <p:spTgt spid="3">
-                                            <p:txEl>
-                                              <p:pRg st="1" end="1"/>
-                                            </p:txEl>
-                                          </p:spTgt>
-                                        </p:tgtEl>
-                                        <p:attrNameLst>
-                                          <p:attrName>style.visibility</p:attrName>
-                                        </p:attrNameLst>
-                                      </p:cBhvr>
-                                      <p:to>
-                                        <p:strVal val="visible"/>
-                                      </p:to>
-                                    </p:set>
-                                    <p:anim calcmode="lin" valueType="num">
-                                      <p:cBhvr additive="base">
-                                        <p:cTn id="11" dur="250" fill="hold"/>
-                                        <p:tgtEl>
-                                          <p:spTgt spid="3">
-                                            <p:txEl>
-                                              <p:pRg st="1" end="1"/>
-                                            </p:txEl>
-                                          </p:spTgt>
-                                        </p:tgtEl>
-                                        <p:attrNameLst>
-                                          <p:attrName>ppt_x</p:attrName>
-                                        </p:attrNameLst>
-                                      </p:cBhvr>
-                                      <p:tavLst>
-                                        <p:tav tm="0">
-                                          <p:val>
-                                            <p:strVal val="#ppt_x"/>
-                                          </p:val>
-                                        </p:tav>
-                                        <p:tav tm="100000">
-                                          <p:val>
-                                            <p:strVal val="#ppt_x"/>
-                                          </p:val>
-                                        </p:tav>
-                                      </p:tavLst>
-                                    </p:anim>
-                                    <p:anim calcmode="lin" valueType="num">
-                                      <p:cBhvr additive="base">
-                                        <p:cTn id="12" dur="250" fill="hold"/>
-                                        <p:tgtEl>
-                                          <p:spTgt spid="3">
-                                            <p:txEl>
-                                              <p:pRg st="1" end="1"/>
-                                            </p:txEl>
-                                          </p:spTgt>
-                                        </p:tgtEl>
-                                        <p:attrNameLst>
-                                          <p:attrName>ppt_y</p:attrName>
-                                        </p:attrNameLst>
-                                      </p:cBhvr>
-                                      <p:tavLst>
-                                        <p:tav tm="0">
-                                          <p:val>
-                                            <p:strVal val="1+#ppt_h/2"/>
-                                          </p:val>
-                                        </p:tav>
-                                        <p:tav tm="100000">
-                                          <p:val>
-                                            <p:strVal val="#ppt_y"/>
-                                          </p:val>
-                                        </p:tav>
-                                      </p:tavLst>
-                                    </p:anim>
-                                  </p:childTnLst>
-                                </p:cTn>
-                              </p:par>
-                              <p:par>
-                                <p:cTn id="13" presetID="2" presetClass="entr" presetSubtype="4" fill="hold" grpId="0" nodeType="withEffect">
-                                  <p:stCondLst>
-                                    <p:cond delay="0"/>
-                                  </p:stCondLst>
-                                  <p:childTnLst>
-                                    <p:set>
-                                      <p:cBhvr>
-                                        <p:cTn id="14" dur="1" fill="hold">
-                                          <p:stCondLst>
-                                            <p:cond delay="0"/>
-                                          </p:stCondLst>
-                                        </p:cTn>
-                                        <p:tgtEl>
-                                          <p:spTgt spid="3">
-                                            <p:txEl>
-                                              <p:pRg st="2" end="2"/>
-                                            </p:txEl>
-                                          </p:spTgt>
-                                        </p:tgtEl>
-                                        <p:attrNameLst>
-                                          <p:attrName>style.visibility</p:attrName>
-                                        </p:attrNameLst>
-                                      </p:cBhvr>
-                                      <p:to>
-                                        <p:strVal val="visible"/>
-                                      </p:to>
-                                    </p:set>
-                                    <p:anim calcmode="lin" valueType="num">
-                                      <p:cBhvr additive="base">
-                                        <p:cTn id="15" dur="250" fill="hold"/>
-                                        <p:tgtEl>
-                                          <p:spTgt spid="3">
-                                            <p:txEl>
-                                              <p:pRg st="2" end="2"/>
-                                            </p:txEl>
-                                          </p:spTgt>
-                                        </p:tgtEl>
-                                        <p:attrNameLst>
-                                          <p:attrName>ppt_x</p:attrName>
-                                        </p:attrNameLst>
-                                      </p:cBhvr>
-                                      <p:tavLst>
-                                        <p:tav tm="0">
-                                          <p:val>
-                                            <p:strVal val="#ppt_x"/>
-                                          </p:val>
-                                        </p:tav>
-                                        <p:tav tm="100000">
-                                          <p:val>
-                                            <p:strVal val="#ppt_x"/>
-                                          </p:val>
-                                        </p:tav>
-                                      </p:tavLst>
-                                    </p:anim>
-                                    <p:anim calcmode="lin" valueType="num">
-                                      <p:cBhvr additive="base">
-                                        <p:cTn id="16" dur="250" fill="hold"/>
-                                        <p:tgtEl>
-                                          <p:spTgt spid="3">
-                                            <p:txEl>
-                                              <p:pRg st="2" end="2"/>
-                                            </p:txEl>
-                                          </p:spTgt>
-                                        </p:tgtEl>
-                                        <p:attrNameLst>
-                                          <p:attrName>ppt_y</p:attrName>
-                                        </p:attrNameLst>
-                                      </p:cBhvr>
-                                      <p:tavLst>
-                                        <p:tav tm="0">
-                                          <p:val>
-                                            <p:strVal val="1+#ppt_h/2"/>
-                                          </p:val>
-                                        </p:tav>
-                                        <p:tav tm="100000">
-                                          <p:val>
-                                            <p:strVal val="#ppt_y"/>
-                                          </p:val>
-                                        </p:tav>
-                                      </p:tavLst>
-                                    </p:anim>
-                                  </p:childTnLst>
-                                </p:cTn>
-                              </p:par>
-                              <p:par>
-                                <p:cTn id="17" presetID="2" presetClass="entr" presetSubtype="4" fill="hold" grpId="0" nodeType="withEffect">
-                                  <p:stCondLst>
-                                    <p:cond delay="0"/>
-                                  </p:stCondLst>
-                                  <p:childTnLst>
-                                    <p:set>
-                                      <p:cBhvr>
-                                        <p:cTn id="18" dur="1" fill="hold">
-                                          <p:stCondLst>
-                                            <p:cond delay="0"/>
-                                          </p:stCondLst>
-                                        </p:cTn>
-                                        <p:tgtEl>
-                                          <p:spTgt spid="3">
-                                            <p:txEl>
-                                              <p:pRg st="3" end="3"/>
-                                            </p:txEl>
-                                          </p:spTgt>
-                                        </p:tgtEl>
-                                        <p:attrNameLst>
-                                          <p:attrName>style.visibility</p:attrName>
-                                        </p:attrNameLst>
-                                      </p:cBhvr>
-                                      <p:to>
-                                        <p:strVal val="visible"/>
-                                      </p:to>
-                                    </p:set>
-                                    <p:anim calcmode="lin" valueType="num">
-                                      <p:cBhvr additive="base">
-                                        <p:cTn id="19" dur="250" fill="hold"/>
-                                        <p:tgtEl>
-                                          <p:spTgt spid="3">
-                                            <p:txEl>
-                                              <p:pRg st="3" end="3"/>
-                                            </p:txEl>
-                                          </p:spTgt>
-                                        </p:tgtEl>
-                                        <p:attrNameLst>
-                                          <p:attrName>ppt_x</p:attrName>
-                                        </p:attrNameLst>
-                                      </p:cBhvr>
-                                      <p:tavLst>
-                                        <p:tav tm="0">
-                                          <p:val>
-                                            <p:strVal val="#ppt_x"/>
-                                          </p:val>
-                                        </p:tav>
-                                        <p:tav tm="100000">
-                                          <p:val>
-                                            <p:strVal val="#ppt_x"/>
-                                          </p:val>
-                                        </p:tav>
-                                      </p:tavLst>
-                                    </p:anim>
-                                    <p:anim calcmode="lin" valueType="num">
-                                      <p:cBhvr additive="base">
-                                        <p:cTn id="20" dur="250" fill="hold"/>
-                                        <p:tgtEl>
-                                          <p:spTgt spid="3">
-                                            <p:txEl>
-                                              <p:pRg st="3" end="3"/>
-                                            </p:txEl>
-                                          </p:spTgt>
-                                        </p:tgtEl>
-                                        <p:attrNameLst>
-                                          <p:attrName>ppt_y</p:attrName>
-                                        </p:attrNameLst>
-                                      </p:cBhvr>
-                                      <p:tavLst>
-                                        <p:tav tm="0">
-                                          <p:val>
-                                            <p:strVal val="1+#ppt_h/2"/>
-                                          </p:val>
-                                        </p:tav>
-                                        <p:tav tm="100000">
-                                          <p:val>
-                                            <p:strVal val="#ppt_y"/>
-                                          </p:val>
-                                        </p:tav>
-                                      </p:tavLst>
-                                    </p:anim>
-                                  </p:childTnLst>
-                                </p:cTn>
-                              </p:par>
-                              <p:par>
-                                <p:cTn id="21" presetID="2" presetClass="entr" presetSubtype="4" fill="hold" grpId="0" nodeType="withEffect">
-                                  <p:stCondLst>
-                                    <p:cond delay="0"/>
-                                  </p:stCondLst>
-                                  <p:childTnLst>
-                                    <p:set>
-                                      <p:cBhvr>
-                                        <p:cTn id="22" dur="1" fill="hold">
-                                          <p:stCondLst>
-                                            <p:cond delay="0"/>
-                                          </p:stCondLst>
-                                        </p:cTn>
-                                        <p:tgtEl>
-                                          <p:spTgt spid="3">
-                                            <p:txEl>
-                                              <p:pRg st="4" end="4"/>
-                                            </p:txEl>
-                                          </p:spTgt>
-                                        </p:tgtEl>
-                                        <p:attrNameLst>
-                                          <p:attrName>style.visibility</p:attrName>
-                                        </p:attrNameLst>
-                                      </p:cBhvr>
-                                      <p:to>
-                                        <p:strVal val="visible"/>
-                                      </p:to>
-                                    </p:set>
-                                    <p:anim calcmode="lin" valueType="num">
-                                      <p:cBhvr additive="base">
-                                        <p:cTn id="23" dur="250" fill="hold"/>
-                                        <p:tgtEl>
-                                          <p:spTgt spid="3">
-                                            <p:txEl>
-                                              <p:pRg st="4" end="4"/>
-                                            </p:txEl>
-                                          </p:spTgt>
-                                        </p:tgtEl>
-                                        <p:attrNameLst>
-                                          <p:attrName>ppt_x</p:attrName>
-                                        </p:attrNameLst>
-                                      </p:cBhvr>
-                                      <p:tavLst>
-                                        <p:tav tm="0">
-                                          <p:val>
-                                            <p:strVal val="#ppt_x"/>
-                                          </p:val>
-                                        </p:tav>
-                                        <p:tav tm="100000">
-                                          <p:val>
-                                            <p:strVal val="#ppt_x"/>
-                                          </p:val>
-                                        </p:tav>
-                                      </p:tavLst>
-                                    </p:anim>
-                                    <p:anim calcmode="lin" valueType="num">
-                                      <p:cBhvr additive="base">
-                                        <p:cTn id="24" dur="250" fill="hold"/>
-                                        <p:tgtEl>
-                                          <p:spTgt spid="3">
-                                            <p:txEl>
-                                              <p:pRg st="4" end="4"/>
-                                            </p:txEl>
-                                          </p:spTgt>
-                                        </p:tgtEl>
-                                        <p:attrNameLst>
-                                          <p:attrName>ppt_y</p:attrName>
-                                        </p:attrNameLst>
-                                      </p:cBhvr>
-                                      <p:tavLst>
-                                        <p:tav tm="0">
-                                          <p:val>
-                                            <p:strVal val="1+#ppt_h/2"/>
-                                          </p:val>
-                                        </p:tav>
-                                        <p:tav tm="100000">
-                                          <p:val>
-                                            <p:strVal val="#ppt_y"/>
-                                          </p:val>
-                                        </p:tav>
-                                      </p:tavLst>
-                                    </p:anim>
-                                  </p:childTnLst>
-                                </p:cTn>
-                              </p:par>
-                            </p:childTnLst>
-                          </p:cTn>
-                        </p:par>
-                      </p:childTnLst>
-                    </p:cTn>
-                  </p:par>
-                </p:childTnLst>
-              </p:cTn>
-              <p:prevCondLst>
-                <p:cond evt="onPrev" delay="0">
-                  <p:tgtEl>
-                    <p:sldTgt/>
-                  </p:tgtEl>
-                </p:cond>
-              </p:prevCondLst>
-              <p:nextCondLst>
-                <p:cond evt="onNext" delay="0">
-                  <p:tgtEl>
-                    <p:sldTgt/>
-                  </p:tgtEl>
-                </p:cond>
-              </p:nextCondLst>
-            </p:seq>
-          </p:childTnLst>
-        </p:cTn>
-      </p:par>
-    </p:tnLst>
-    <p:bldLst>
-      <p:bldP spid="3" grpId="0" uiExpand="1" build="p"/>
-    </p:bldLst>
-  </p:timing>
 </p:sld>
 </file>
 
@@ -26149,227 +25231,6 @@
   <p:clrMapOvr>
     <a:masterClrMapping/>
   </p:clrMapOvr>
-  <p:timing>
-    <p:tnLst>
-      <p:par>
-        <p:cTn id="1" dur="indefinite" restart="never" nodeType="tmRoot">
-          <p:childTnLst>
-            <p:seq concurrent="1" nextAc="seek">
-              <p:cTn id="2" dur="indefinite" nodeType="mainSeq">
-                <p:childTnLst>
-                  <p:par>
-                    <p:cTn id="3" fill="hold">
-                      <p:stCondLst>
-                        <p:cond delay="indefinite"/>
-                      </p:stCondLst>
-                      <p:childTnLst>
-                        <p:par>
-                          <p:cTn id="4" fill="hold">
-                            <p:stCondLst>
-                              <p:cond delay="0"/>
-                            </p:stCondLst>
-                            <p:childTnLst>
-                              <p:par>
-                                <p:cTn id="5" presetID="2" presetClass="entr" presetSubtype="4" fill="hold" grpId="0" nodeType="clickEffect">
-                                  <p:stCondLst>
-                                    <p:cond delay="0"/>
-                                  </p:stCondLst>
-                                  <p:childTnLst>
-                                    <p:set>
-                                      <p:cBhvr>
-                                        <p:cTn id="6" dur="1" fill="hold">
-                                          <p:stCondLst>
-                                            <p:cond delay="0"/>
-                                          </p:stCondLst>
-                                        </p:cTn>
-                                        <p:tgtEl>
-                                          <p:spTgt spid="3">
-                                            <p:txEl>
-                                              <p:pRg st="0" end="0"/>
-                                            </p:txEl>
-                                          </p:spTgt>
-                                        </p:tgtEl>
-                                        <p:attrNameLst>
-                                          <p:attrName>style.visibility</p:attrName>
-                                        </p:attrNameLst>
-                                      </p:cBhvr>
-                                      <p:to>
-                                        <p:strVal val="visible"/>
-                                      </p:to>
-                                    </p:set>
-                                    <p:anim calcmode="lin" valueType="num">
-                                      <p:cBhvr additive="base">
-                                        <p:cTn id="7" dur="250" fill="hold"/>
-                                        <p:tgtEl>
-                                          <p:spTgt spid="3">
-                                            <p:txEl>
-                                              <p:pRg st="0" end="0"/>
-                                            </p:txEl>
-                                          </p:spTgt>
-                                        </p:tgtEl>
-                                        <p:attrNameLst>
-                                          <p:attrName>ppt_x</p:attrName>
-                                        </p:attrNameLst>
-                                      </p:cBhvr>
-                                      <p:tavLst>
-                                        <p:tav tm="0">
-                                          <p:val>
-                                            <p:strVal val="#ppt_x"/>
-                                          </p:val>
-                                        </p:tav>
-                                        <p:tav tm="100000">
-                                          <p:val>
-                                            <p:strVal val="#ppt_x"/>
-                                          </p:val>
-                                        </p:tav>
-                                      </p:tavLst>
-                                    </p:anim>
-                                    <p:anim calcmode="lin" valueType="num">
-                                      <p:cBhvr additive="base">
-                                        <p:cTn id="8" dur="250" fill="hold"/>
-                                        <p:tgtEl>
-                                          <p:spTgt spid="3">
-                                            <p:txEl>
-                                              <p:pRg st="0" end="0"/>
-                                            </p:txEl>
-                                          </p:spTgt>
-                                        </p:tgtEl>
-                                        <p:attrNameLst>
-                                          <p:attrName>ppt_y</p:attrName>
-                                        </p:attrNameLst>
-                                      </p:cBhvr>
-                                      <p:tavLst>
-                                        <p:tav tm="0">
-                                          <p:val>
-                                            <p:strVal val="1+#ppt_h/2"/>
-                                          </p:val>
-                                        </p:tav>
-                                        <p:tav tm="100000">
-                                          <p:val>
-                                            <p:strVal val="#ppt_y"/>
-                                          </p:val>
-                                        </p:tav>
-                                      </p:tavLst>
-                                    </p:anim>
-                                  </p:childTnLst>
-                                </p:cTn>
-                              </p:par>
-                              <p:par>
-                                <p:cTn id="9" presetID="2" presetClass="entr" presetSubtype="4" fill="hold" grpId="0" nodeType="withEffect">
-                                  <p:stCondLst>
-                                    <p:cond delay="0"/>
-                                  </p:stCondLst>
-                                  <p:childTnLst>
-                                    <p:set>
-                                      <p:cBhvr>
-                                        <p:cTn id="10" dur="1" fill="hold">
-                                          <p:stCondLst>
-                                            <p:cond delay="0"/>
-                                          </p:stCondLst>
-                                        </p:cTn>
-                                        <p:tgtEl>
-                                          <p:spTgt spid="3">
-                                            <p:txEl>
-                                              <p:pRg st="1" end="1"/>
-                                            </p:txEl>
-                                          </p:spTgt>
-                                        </p:tgtEl>
-                                        <p:attrNameLst>
-                                          <p:attrName>style.visibility</p:attrName>
-                                        </p:attrNameLst>
-                                      </p:cBhvr>
-                                      <p:to>
-                                        <p:strVal val="visible"/>
-                                      </p:to>
-                                    </p:set>
-                                    <p:anim calcmode="lin" valueType="num">
-                                      <p:cBhvr additive="base">
-                                        <p:cTn id="11" dur="250" fill="hold"/>
-                                        <p:tgtEl>
-                                          <p:spTgt spid="3">
-                                            <p:txEl>
-                                              <p:pRg st="1" end="1"/>
-                                            </p:txEl>
-                                          </p:spTgt>
-                                        </p:tgtEl>
-                                        <p:attrNameLst>
-                                          <p:attrName>ppt_x</p:attrName>
-                                        </p:attrNameLst>
-                                      </p:cBhvr>
-                                      <p:tavLst>
-                                        <p:tav tm="0">
-                                          <p:val>
-                                            <p:strVal val="#ppt_x"/>
-                                          </p:val>
-                                        </p:tav>
-                                        <p:tav tm="100000">
-                                          <p:val>
-                                            <p:strVal val="#ppt_x"/>
-                                          </p:val>
-                                        </p:tav>
-                                      </p:tavLst>
-                                    </p:anim>
-                                    <p:anim calcmode="lin" valueType="num">
-                                      <p:cBhvr additive="base">
-                                        <p:cTn id="12" dur="250" fill="hold"/>
-                                        <p:tgtEl>
-                                          <p:spTgt spid="3">
-                                            <p:txEl>
-                                              <p:pRg st="1" end="1"/>
-                                            </p:txEl>
-                                          </p:spTgt>
-                                        </p:tgtEl>
-                                        <p:attrNameLst>
-                                          <p:attrName>ppt_y</p:attrName>
-                                        </p:attrNameLst>
-                                      </p:cBhvr>
-                                      <p:tavLst>
-                                        <p:tav tm="0">
-                                          <p:val>
-                                            <p:strVal val="1+#ppt_h/2"/>
-                                          </p:val>
-                                        </p:tav>
-                                        <p:tav tm="100000">
-                                          <p:val>
-                                            <p:strVal val="#ppt_y"/>
-                                          </p:val>
-                                        </p:tav>
-                                      </p:tavLst>
-                                    </p:anim>
-                                  </p:childTnLst>
-                                </p:cTn>
-                              </p:par>
-                            </p:childTnLst>
-                          </p:cTn>
-                        </p:par>
-                      </p:childTnLst>
-                    </p:cTn>
-                  </p:par>
-                </p:childTnLst>
-              </p:cTn>
-              <p:prevCondLst>
-                <p:cond evt="onPrev" delay="0">
-                  <p:tgtEl>
-                    <p:sldTgt/>
-                  </p:tgtEl>
-                </p:cond>
-              </p:prevCondLst>
-              <p:nextCondLst>
-                <p:cond evt="onNext" delay="0">
-                  <p:tgtEl>
-                    <p:sldTgt/>
-                  </p:tgtEl>
-                </p:cond>
-              </p:nextCondLst>
-            </p:seq>
-          </p:childTnLst>
-        </p:cTn>
-      </p:par>
-    </p:tnLst>
-    <p:bldLst>
-      <p:bldP spid="3" grpId="0" uiExpand="1" build="p"/>
-    </p:bldLst>
-  </p:timing>
 </p:sld>
 </file>
 
@@ -26928,397 +25789,6 @@
   <p:clrMapOvr>
     <a:masterClrMapping/>
   </p:clrMapOvr>
-  <p:timing>
-    <p:tnLst>
-      <p:par>
-        <p:cTn id="1" dur="indefinite" restart="never" nodeType="tmRoot">
-          <p:childTnLst>
-            <p:seq concurrent="1" nextAc="seek">
-              <p:cTn id="2" dur="indefinite" nodeType="mainSeq">
-                <p:childTnLst>
-                  <p:par>
-                    <p:cTn id="3" fill="hold">
-                      <p:stCondLst>
-                        <p:cond delay="indefinite"/>
-                      </p:stCondLst>
-                      <p:childTnLst>
-                        <p:par>
-                          <p:cTn id="4" fill="hold">
-                            <p:stCondLst>
-                              <p:cond delay="0"/>
-                            </p:stCondLst>
-                            <p:childTnLst>
-                              <p:par>
-                                <p:cTn id="5" presetID="2" presetClass="entr" presetSubtype="4" fill="hold" grpId="0" nodeType="clickEffect">
-                                  <p:stCondLst>
-                                    <p:cond delay="0"/>
-                                  </p:stCondLst>
-                                  <p:childTnLst>
-                                    <p:set>
-                                      <p:cBhvr>
-                                        <p:cTn id="6" dur="1" fill="hold">
-                                          <p:stCondLst>
-                                            <p:cond delay="0"/>
-                                          </p:stCondLst>
-                                        </p:cTn>
-                                        <p:tgtEl>
-                                          <p:spTgt spid="3">
-                                            <p:txEl>
-                                              <p:pRg st="0" end="0"/>
-                                            </p:txEl>
-                                          </p:spTgt>
-                                        </p:tgtEl>
-                                        <p:attrNameLst>
-                                          <p:attrName>style.visibility</p:attrName>
-                                        </p:attrNameLst>
-                                      </p:cBhvr>
-                                      <p:to>
-                                        <p:strVal val="visible"/>
-                                      </p:to>
-                                    </p:set>
-                                    <p:anim calcmode="lin" valueType="num">
-                                      <p:cBhvr additive="base">
-                                        <p:cTn id="7" dur="250" fill="hold"/>
-                                        <p:tgtEl>
-                                          <p:spTgt spid="3">
-                                            <p:txEl>
-                                              <p:pRg st="0" end="0"/>
-                                            </p:txEl>
-                                          </p:spTgt>
-                                        </p:tgtEl>
-                                        <p:attrNameLst>
-                                          <p:attrName>ppt_x</p:attrName>
-                                        </p:attrNameLst>
-                                      </p:cBhvr>
-                                      <p:tavLst>
-                                        <p:tav tm="0">
-                                          <p:val>
-                                            <p:strVal val="#ppt_x"/>
-                                          </p:val>
-                                        </p:tav>
-                                        <p:tav tm="100000">
-                                          <p:val>
-                                            <p:strVal val="#ppt_x"/>
-                                          </p:val>
-                                        </p:tav>
-                                      </p:tavLst>
-                                    </p:anim>
-                                    <p:anim calcmode="lin" valueType="num">
-                                      <p:cBhvr additive="base">
-                                        <p:cTn id="8" dur="250" fill="hold"/>
-                                        <p:tgtEl>
-                                          <p:spTgt spid="3">
-                                            <p:txEl>
-                                              <p:pRg st="0" end="0"/>
-                                            </p:txEl>
-                                          </p:spTgt>
-                                        </p:tgtEl>
-                                        <p:attrNameLst>
-                                          <p:attrName>ppt_y</p:attrName>
-                                        </p:attrNameLst>
-                                      </p:cBhvr>
-                                      <p:tavLst>
-                                        <p:tav tm="0">
-                                          <p:val>
-                                            <p:strVal val="1+#ppt_h/2"/>
-                                          </p:val>
-                                        </p:tav>
-                                        <p:tav tm="100000">
-                                          <p:val>
-                                            <p:strVal val="#ppt_y"/>
-                                          </p:val>
-                                        </p:tav>
-                                      </p:tavLst>
-                                    </p:anim>
-                                  </p:childTnLst>
-                                </p:cTn>
-                              </p:par>
-                              <p:par>
-                                <p:cTn id="9" presetID="2" presetClass="entr" presetSubtype="4" fill="hold" grpId="0" nodeType="withEffect">
-                                  <p:stCondLst>
-                                    <p:cond delay="0"/>
-                                  </p:stCondLst>
-                                  <p:childTnLst>
-                                    <p:set>
-                                      <p:cBhvr>
-                                        <p:cTn id="10" dur="1" fill="hold">
-                                          <p:stCondLst>
-                                            <p:cond delay="0"/>
-                                          </p:stCondLst>
-                                        </p:cTn>
-                                        <p:tgtEl>
-                                          <p:spTgt spid="3">
-                                            <p:txEl>
-                                              <p:pRg st="1" end="1"/>
-                                            </p:txEl>
-                                          </p:spTgt>
-                                        </p:tgtEl>
-                                        <p:attrNameLst>
-                                          <p:attrName>style.visibility</p:attrName>
-                                        </p:attrNameLst>
-                                      </p:cBhvr>
-                                      <p:to>
-                                        <p:strVal val="visible"/>
-                                      </p:to>
-                                    </p:set>
-                                    <p:anim calcmode="lin" valueType="num">
-                                      <p:cBhvr additive="base">
-                                        <p:cTn id="11" dur="250" fill="hold"/>
-                                        <p:tgtEl>
-                                          <p:spTgt spid="3">
-                                            <p:txEl>
-                                              <p:pRg st="1" end="1"/>
-                                            </p:txEl>
-                                          </p:spTgt>
-                                        </p:tgtEl>
-                                        <p:attrNameLst>
-                                          <p:attrName>ppt_x</p:attrName>
-                                        </p:attrNameLst>
-                                      </p:cBhvr>
-                                      <p:tavLst>
-                                        <p:tav tm="0">
-                                          <p:val>
-                                            <p:strVal val="#ppt_x"/>
-                                          </p:val>
-                                        </p:tav>
-                                        <p:tav tm="100000">
-                                          <p:val>
-                                            <p:strVal val="#ppt_x"/>
-                                          </p:val>
-                                        </p:tav>
-                                      </p:tavLst>
-                                    </p:anim>
-                                    <p:anim calcmode="lin" valueType="num">
-                                      <p:cBhvr additive="base">
-                                        <p:cTn id="12" dur="250" fill="hold"/>
-                                        <p:tgtEl>
-                                          <p:spTgt spid="3">
-                                            <p:txEl>
-                                              <p:pRg st="1" end="1"/>
-                                            </p:txEl>
-                                          </p:spTgt>
-                                        </p:tgtEl>
-                                        <p:attrNameLst>
-                                          <p:attrName>ppt_y</p:attrName>
-                                        </p:attrNameLst>
-                                      </p:cBhvr>
-                                      <p:tavLst>
-                                        <p:tav tm="0">
-                                          <p:val>
-                                            <p:strVal val="1+#ppt_h/2"/>
-                                          </p:val>
-                                        </p:tav>
-                                        <p:tav tm="100000">
-                                          <p:val>
-                                            <p:strVal val="#ppt_y"/>
-                                          </p:val>
-                                        </p:tav>
-                                      </p:tavLst>
-                                    </p:anim>
-                                  </p:childTnLst>
-                                </p:cTn>
-                              </p:par>
-                              <p:par>
-                                <p:cTn id="13" presetID="2" presetClass="entr" presetSubtype="4" fill="hold" grpId="0" nodeType="withEffect">
-                                  <p:stCondLst>
-                                    <p:cond delay="0"/>
-                                  </p:stCondLst>
-                                  <p:childTnLst>
-                                    <p:set>
-                                      <p:cBhvr>
-                                        <p:cTn id="14" dur="1" fill="hold">
-                                          <p:stCondLst>
-                                            <p:cond delay="0"/>
-                                          </p:stCondLst>
-                                        </p:cTn>
-                                        <p:tgtEl>
-                                          <p:spTgt spid="3">
-                                            <p:txEl>
-                                              <p:pRg st="4" end="4"/>
-                                            </p:txEl>
-                                          </p:spTgt>
-                                        </p:tgtEl>
-                                        <p:attrNameLst>
-                                          <p:attrName>style.visibility</p:attrName>
-                                        </p:attrNameLst>
-                                      </p:cBhvr>
-                                      <p:to>
-                                        <p:strVal val="visible"/>
-                                      </p:to>
-                                    </p:set>
-                                    <p:anim calcmode="lin" valueType="num">
-                                      <p:cBhvr additive="base">
-                                        <p:cTn id="15" dur="250" fill="hold"/>
-                                        <p:tgtEl>
-                                          <p:spTgt spid="3">
-                                            <p:txEl>
-                                              <p:pRg st="4" end="4"/>
-                                            </p:txEl>
-                                          </p:spTgt>
-                                        </p:tgtEl>
-                                        <p:attrNameLst>
-                                          <p:attrName>ppt_x</p:attrName>
-                                        </p:attrNameLst>
-                                      </p:cBhvr>
-                                      <p:tavLst>
-                                        <p:tav tm="0">
-                                          <p:val>
-                                            <p:strVal val="#ppt_x"/>
-                                          </p:val>
-                                        </p:tav>
-                                        <p:tav tm="100000">
-                                          <p:val>
-                                            <p:strVal val="#ppt_x"/>
-                                          </p:val>
-                                        </p:tav>
-                                      </p:tavLst>
-                                    </p:anim>
-                                    <p:anim calcmode="lin" valueType="num">
-                                      <p:cBhvr additive="base">
-                                        <p:cTn id="16" dur="250" fill="hold"/>
-                                        <p:tgtEl>
-                                          <p:spTgt spid="3">
-                                            <p:txEl>
-                                              <p:pRg st="4" end="4"/>
-                                            </p:txEl>
-                                          </p:spTgt>
-                                        </p:tgtEl>
-                                        <p:attrNameLst>
-                                          <p:attrName>ppt_y</p:attrName>
-                                        </p:attrNameLst>
-                                      </p:cBhvr>
-                                      <p:tavLst>
-                                        <p:tav tm="0">
-                                          <p:val>
-                                            <p:strVal val="1+#ppt_h/2"/>
-                                          </p:val>
-                                        </p:tav>
-                                        <p:tav tm="100000">
-                                          <p:val>
-                                            <p:strVal val="#ppt_y"/>
-                                          </p:val>
-                                        </p:tav>
-                                      </p:tavLst>
-                                    </p:anim>
-                                  </p:childTnLst>
-                                </p:cTn>
-                              </p:par>
-                              <p:par>
-                                <p:cTn id="17" presetID="2" presetClass="entr" presetSubtype="4" fill="hold" grpId="0" nodeType="withEffect">
-                                  <p:stCondLst>
-                                    <p:cond delay="0"/>
-                                  </p:stCondLst>
-                                  <p:childTnLst>
-                                    <p:set>
-                                      <p:cBhvr>
-                                        <p:cTn id="18" dur="1" fill="hold">
-                                          <p:stCondLst>
-                                            <p:cond delay="0"/>
-                                          </p:stCondLst>
-                                        </p:cTn>
-                                        <p:tgtEl>
-                                          <p:spTgt spid="3">
-                                            <p:txEl>
-                                              <p:pRg st="7" end="7"/>
-                                            </p:txEl>
-                                          </p:spTgt>
-                                        </p:tgtEl>
-                                        <p:attrNameLst>
-                                          <p:attrName>style.visibility</p:attrName>
-                                        </p:attrNameLst>
-                                      </p:cBhvr>
-                                      <p:to>
-                                        <p:strVal val="visible"/>
-                                      </p:to>
-                                    </p:set>
-                                    <p:anim calcmode="lin" valueType="num">
-                                      <p:cBhvr additive="base">
-                                        <p:cTn id="19" dur="250" fill="hold"/>
-                                        <p:tgtEl>
-                                          <p:spTgt spid="3">
-                                            <p:txEl>
-                                              <p:pRg st="7" end="7"/>
-                                            </p:txEl>
-                                          </p:spTgt>
-                                        </p:tgtEl>
-                                        <p:attrNameLst>
-                                          <p:attrName>ppt_x</p:attrName>
-                                        </p:attrNameLst>
-                                      </p:cBhvr>
-                                      <p:tavLst>
-                                        <p:tav tm="0">
-                                          <p:val>
-                                            <p:strVal val="#ppt_x"/>
-                                          </p:val>
-                                        </p:tav>
-                                        <p:tav tm="100000">
-                                          <p:val>
-                                            <p:strVal val="#ppt_x"/>
-                                          </p:val>
-                                        </p:tav>
-                                      </p:tavLst>
-                                    </p:anim>
-                                    <p:anim calcmode="lin" valueType="num">
-                                      <p:cBhvr additive="base">
-                                        <p:cTn id="20" dur="250" fill="hold"/>
-                                        <p:tgtEl>
-                                          <p:spTgt spid="3">
-                                            <p:txEl>
-                                              <p:pRg st="7" end="7"/>
-                                            </p:txEl>
-                                          </p:spTgt>
-                                        </p:tgtEl>
-                                        <p:attrNameLst>
-                                          <p:attrName>ppt_y</p:attrName>
-                                        </p:attrNameLst>
-                                      </p:cBhvr>
-                                      <p:tavLst>
-                                        <p:tav tm="0">
-                                          <p:val>
-                                            <p:strVal val="1+#ppt_h/2"/>
-                                          </p:val>
-                                        </p:tav>
-                                        <p:tav tm="100000">
-                                          <p:val>
-                                            <p:strVal val="#ppt_y"/>
-                                          </p:val>
-                                        </p:tav>
-                                      </p:tavLst>
-                                    </p:anim>
-                                  </p:childTnLst>
-                                </p:cTn>
-                              </p:par>
-                            </p:childTnLst>
-                          </p:cTn>
-                        </p:par>
-                      </p:childTnLst>
-                    </p:cTn>
-                  </p:par>
-                </p:childTnLst>
-              </p:cTn>
-              <p:prevCondLst>
-                <p:cond evt="onPrev" delay="0">
-                  <p:tgtEl>
-                    <p:sldTgt/>
-                  </p:tgtEl>
-                </p:cond>
-              </p:prevCondLst>
-              <p:nextCondLst>
-                <p:cond evt="onNext" delay="0">
-                  <p:tgtEl>
-                    <p:sldTgt/>
-                  </p:tgtEl>
-                </p:cond>
-              </p:nextCondLst>
-            </p:seq>
-          </p:childTnLst>
-        </p:cTn>
-      </p:par>
-    </p:tnLst>
-    <p:bldLst>
-      <p:bldP spid="3" grpId="0" uiExpand="1" build="p"/>
-    </p:bldLst>
-  </p:timing>
 </p:sld>
 </file>
 
@@ -27931,397 +26401,6 @@
   <p:clrMapOvr>
     <a:masterClrMapping/>
   </p:clrMapOvr>
-  <p:timing>
-    <p:tnLst>
-      <p:par>
-        <p:cTn id="1" dur="indefinite" restart="never" nodeType="tmRoot">
-          <p:childTnLst>
-            <p:seq concurrent="1" nextAc="seek">
-              <p:cTn id="2" dur="indefinite" nodeType="mainSeq">
-                <p:childTnLst>
-                  <p:par>
-                    <p:cTn id="3" fill="hold">
-                      <p:stCondLst>
-                        <p:cond delay="indefinite"/>
-                      </p:stCondLst>
-                      <p:childTnLst>
-                        <p:par>
-                          <p:cTn id="4" fill="hold">
-                            <p:stCondLst>
-                              <p:cond delay="0"/>
-                            </p:stCondLst>
-                            <p:childTnLst>
-                              <p:par>
-                                <p:cTn id="5" presetID="2" presetClass="entr" presetSubtype="4" fill="hold" grpId="0" nodeType="clickEffect">
-                                  <p:stCondLst>
-                                    <p:cond delay="0"/>
-                                  </p:stCondLst>
-                                  <p:childTnLst>
-                                    <p:set>
-                                      <p:cBhvr>
-                                        <p:cTn id="6" dur="1" fill="hold">
-                                          <p:stCondLst>
-                                            <p:cond delay="0"/>
-                                          </p:stCondLst>
-                                        </p:cTn>
-                                        <p:tgtEl>
-                                          <p:spTgt spid="3">
-                                            <p:txEl>
-                                              <p:pRg st="0" end="0"/>
-                                            </p:txEl>
-                                          </p:spTgt>
-                                        </p:tgtEl>
-                                        <p:attrNameLst>
-                                          <p:attrName>style.visibility</p:attrName>
-                                        </p:attrNameLst>
-                                      </p:cBhvr>
-                                      <p:to>
-                                        <p:strVal val="visible"/>
-                                      </p:to>
-                                    </p:set>
-                                    <p:anim calcmode="lin" valueType="num">
-                                      <p:cBhvr additive="base">
-                                        <p:cTn id="7" dur="250" fill="hold"/>
-                                        <p:tgtEl>
-                                          <p:spTgt spid="3">
-                                            <p:txEl>
-                                              <p:pRg st="0" end="0"/>
-                                            </p:txEl>
-                                          </p:spTgt>
-                                        </p:tgtEl>
-                                        <p:attrNameLst>
-                                          <p:attrName>ppt_x</p:attrName>
-                                        </p:attrNameLst>
-                                      </p:cBhvr>
-                                      <p:tavLst>
-                                        <p:tav tm="0">
-                                          <p:val>
-                                            <p:strVal val="#ppt_x"/>
-                                          </p:val>
-                                        </p:tav>
-                                        <p:tav tm="100000">
-                                          <p:val>
-                                            <p:strVal val="#ppt_x"/>
-                                          </p:val>
-                                        </p:tav>
-                                      </p:tavLst>
-                                    </p:anim>
-                                    <p:anim calcmode="lin" valueType="num">
-                                      <p:cBhvr additive="base">
-                                        <p:cTn id="8" dur="250" fill="hold"/>
-                                        <p:tgtEl>
-                                          <p:spTgt spid="3">
-                                            <p:txEl>
-                                              <p:pRg st="0" end="0"/>
-                                            </p:txEl>
-                                          </p:spTgt>
-                                        </p:tgtEl>
-                                        <p:attrNameLst>
-                                          <p:attrName>ppt_y</p:attrName>
-                                        </p:attrNameLst>
-                                      </p:cBhvr>
-                                      <p:tavLst>
-                                        <p:tav tm="0">
-                                          <p:val>
-                                            <p:strVal val="1+#ppt_h/2"/>
-                                          </p:val>
-                                        </p:tav>
-                                        <p:tav tm="100000">
-                                          <p:val>
-                                            <p:strVal val="#ppt_y"/>
-                                          </p:val>
-                                        </p:tav>
-                                      </p:tavLst>
-                                    </p:anim>
-                                  </p:childTnLst>
-                                </p:cTn>
-                              </p:par>
-                              <p:par>
-                                <p:cTn id="9" presetID="2" presetClass="entr" presetSubtype="4" fill="hold" grpId="0" nodeType="withEffect">
-                                  <p:stCondLst>
-                                    <p:cond delay="0"/>
-                                  </p:stCondLst>
-                                  <p:childTnLst>
-                                    <p:set>
-                                      <p:cBhvr>
-                                        <p:cTn id="10" dur="1" fill="hold">
-                                          <p:stCondLst>
-                                            <p:cond delay="0"/>
-                                          </p:stCondLst>
-                                        </p:cTn>
-                                        <p:tgtEl>
-                                          <p:spTgt spid="3">
-                                            <p:txEl>
-                                              <p:pRg st="1" end="1"/>
-                                            </p:txEl>
-                                          </p:spTgt>
-                                        </p:tgtEl>
-                                        <p:attrNameLst>
-                                          <p:attrName>style.visibility</p:attrName>
-                                        </p:attrNameLst>
-                                      </p:cBhvr>
-                                      <p:to>
-                                        <p:strVal val="visible"/>
-                                      </p:to>
-                                    </p:set>
-                                    <p:anim calcmode="lin" valueType="num">
-                                      <p:cBhvr additive="base">
-                                        <p:cTn id="11" dur="250" fill="hold"/>
-                                        <p:tgtEl>
-                                          <p:spTgt spid="3">
-                                            <p:txEl>
-                                              <p:pRg st="1" end="1"/>
-                                            </p:txEl>
-                                          </p:spTgt>
-                                        </p:tgtEl>
-                                        <p:attrNameLst>
-                                          <p:attrName>ppt_x</p:attrName>
-                                        </p:attrNameLst>
-                                      </p:cBhvr>
-                                      <p:tavLst>
-                                        <p:tav tm="0">
-                                          <p:val>
-                                            <p:strVal val="#ppt_x"/>
-                                          </p:val>
-                                        </p:tav>
-                                        <p:tav tm="100000">
-                                          <p:val>
-                                            <p:strVal val="#ppt_x"/>
-                                          </p:val>
-                                        </p:tav>
-                                      </p:tavLst>
-                                    </p:anim>
-                                    <p:anim calcmode="lin" valueType="num">
-                                      <p:cBhvr additive="base">
-                                        <p:cTn id="12" dur="250" fill="hold"/>
-                                        <p:tgtEl>
-                                          <p:spTgt spid="3">
-                                            <p:txEl>
-                                              <p:pRg st="1" end="1"/>
-                                            </p:txEl>
-                                          </p:spTgt>
-                                        </p:tgtEl>
-                                        <p:attrNameLst>
-                                          <p:attrName>ppt_y</p:attrName>
-                                        </p:attrNameLst>
-                                      </p:cBhvr>
-                                      <p:tavLst>
-                                        <p:tav tm="0">
-                                          <p:val>
-                                            <p:strVal val="1+#ppt_h/2"/>
-                                          </p:val>
-                                        </p:tav>
-                                        <p:tav tm="100000">
-                                          <p:val>
-                                            <p:strVal val="#ppt_y"/>
-                                          </p:val>
-                                        </p:tav>
-                                      </p:tavLst>
-                                    </p:anim>
-                                  </p:childTnLst>
-                                </p:cTn>
-                              </p:par>
-                              <p:par>
-                                <p:cTn id="13" presetID="2" presetClass="entr" presetSubtype="4" fill="hold" grpId="0" nodeType="withEffect">
-                                  <p:stCondLst>
-                                    <p:cond delay="0"/>
-                                  </p:stCondLst>
-                                  <p:childTnLst>
-                                    <p:set>
-                                      <p:cBhvr>
-                                        <p:cTn id="14" dur="1" fill="hold">
-                                          <p:stCondLst>
-                                            <p:cond delay="0"/>
-                                          </p:stCondLst>
-                                        </p:cTn>
-                                        <p:tgtEl>
-                                          <p:spTgt spid="3">
-                                            <p:txEl>
-                                              <p:pRg st="3" end="3"/>
-                                            </p:txEl>
-                                          </p:spTgt>
-                                        </p:tgtEl>
-                                        <p:attrNameLst>
-                                          <p:attrName>style.visibility</p:attrName>
-                                        </p:attrNameLst>
-                                      </p:cBhvr>
-                                      <p:to>
-                                        <p:strVal val="visible"/>
-                                      </p:to>
-                                    </p:set>
-                                    <p:anim calcmode="lin" valueType="num">
-                                      <p:cBhvr additive="base">
-                                        <p:cTn id="15" dur="250" fill="hold"/>
-                                        <p:tgtEl>
-                                          <p:spTgt spid="3">
-                                            <p:txEl>
-                                              <p:pRg st="3" end="3"/>
-                                            </p:txEl>
-                                          </p:spTgt>
-                                        </p:tgtEl>
-                                        <p:attrNameLst>
-                                          <p:attrName>ppt_x</p:attrName>
-                                        </p:attrNameLst>
-                                      </p:cBhvr>
-                                      <p:tavLst>
-                                        <p:tav tm="0">
-                                          <p:val>
-                                            <p:strVal val="#ppt_x"/>
-                                          </p:val>
-                                        </p:tav>
-                                        <p:tav tm="100000">
-                                          <p:val>
-                                            <p:strVal val="#ppt_x"/>
-                                          </p:val>
-                                        </p:tav>
-                                      </p:tavLst>
-                                    </p:anim>
-                                    <p:anim calcmode="lin" valueType="num">
-                                      <p:cBhvr additive="base">
-                                        <p:cTn id="16" dur="250" fill="hold"/>
-                                        <p:tgtEl>
-                                          <p:spTgt spid="3">
-                                            <p:txEl>
-                                              <p:pRg st="3" end="3"/>
-                                            </p:txEl>
-                                          </p:spTgt>
-                                        </p:tgtEl>
-                                        <p:attrNameLst>
-                                          <p:attrName>ppt_y</p:attrName>
-                                        </p:attrNameLst>
-                                      </p:cBhvr>
-                                      <p:tavLst>
-                                        <p:tav tm="0">
-                                          <p:val>
-                                            <p:strVal val="1+#ppt_h/2"/>
-                                          </p:val>
-                                        </p:tav>
-                                        <p:tav tm="100000">
-                                          <p:val>
-                                            <p:strVal val="#ppt_y"/>
-                                          </p:val>
-                                        </p:tav>
-                                      </p:tavLst>
-                                    </p:anim>
-                                  </p:childTnLst>
-                                </p:cTn>
-                              </p:par>
-                              <p:par>
-                                <p:cTn id="17" presetID="2" presetClass="entr" presetSubtype="4" fill="hold" grpId="0" nodeType="withEffect">
-                                  <p:stCondLst>
-                                    <p:cond delay="0"/>
-                                  </p:stCondLst>
-                                  <p:childTnLst>
-                                    <p:set>
-                                      <p:cBhvr>
-                                        <p:cTn id="18" dur="1" fill="hold">
-                                          <p:stCondLst>
-                                            <p:cond delay="0"/>
-                                          </p:stCondLst>
-                                        </p:cTn>
-                                        <p:tgtEl>
-                                          <p:spTgt spid="3">
-                                            <p:txEl>
-                                              <p:pRg st="6" end="6"/>
-                                            </p:txEl>
-                                          </p:spTgt>
-                                        </p:tgtEl>
-                                        <p:attrNameLst>
-                                          <p:attrName>style.visibility</p:attrName>
-                                        </p:attrNameLst>
-                                      </p:cBhvr>
-                                      <p:to>
-                                        <p:strVal val="visible"/>
-                                      </p:to>
-                                    </p:set>
-                                    <p:anim calcmode="lin" valueType="num">
-                                      <p:cBhvr additive="base">
-                                        <p:cTn id="19" dur="250" fill="hold"/>
-                                        <p:tgtEl>
-                                          <p:spTgt spid="3">
-                                            <p:txEl>
-                                              <p:pRg st="6" end="6"/>
-                                            </p:txEl>
-                                          </p:spTgt>
-                                        </p:tgtEl>
-                                        <p:attrNameLst>
-                                          <p:attrName>ppt_x</p:attrName>
-                                        </p:attrNameLst>
-                                      </p:cBhvr>
-                                      <p:tavLst>
-                                        <p:tav tm="0">
-                                          <p:val>
-                                            <p:strVal val="#ppt_x"/>
-                                          </p:val>
-                                        </p:tav>
-                                        <p:tav tm="100000">
-                                          <p:val>
-                                            <p:strVal val="#ppt_x"/>
-                                          </p:val>
-                                        </p:tav>
-                                      </p:tavLst>
-                                    </p:anim>
-                                    <p:anim calcmode="lin" valueType="num">
-                                      <p:cBhvr additive="base">
-                                        <p:cTn id="20" dur="250" fill="hold"/>
-                                        <p:tgtEl>
-                                          <p:spTgt spid="3">
-                                            <p:txEl>
-                                              <p:pRg st="6" end="6"/>
-                                            </p:txEl>
-                                          </p:spTgt>
-                                        </p:tgtEl>
-                                        <p:attrNameLst>
-                                          <p:attrName>ppt_y</p:attrName>
-                                        </p:attrNameLst>
-                                      </p:cBhvr>
-                                      <p:tavLst>
-                                        <p:tav tm="0">
-                                          <p:val>
-                                            <p:strVal val="1+#ppt_h/2"/>
-                                          </p:val>
-                                        </p:tav>
-                                        <p:tav tm="100000">
-                                          <p:val>
-                                            <p:strVal val="#ppt_y"/>
-                                          </p:val>
-                                        </p:tav>
-                                      </p:tavLst>
-                                    </p:anim>
-                                  </p:childTnLst>
-                                </p:cTn>
-                              </p:par>
-                            </p:childTnLst>
-                          </p:cTn>
-                        </p:par>
-                      </p:childTnLst>
-                    </p:cTn>
-                  </p:par>
-                </p:childTnLst>
-              </p:cTn>
-              <p:prevCondLst>
-                <p:cond evt="onPrev" delay="0">
-                  <p:tgtEl>
-                    <p:sldTgt/>
-                  </p:tgtEl>
-                </p:cond>
-              </p:prevCondLst>
-              <p:nextCondLst>
-                <p:cond evt="onNext" delay="0">
-                  <p:tgtEl>
-                    <p:sldTgt/>
-                  </p:tgtEl>
-                </p:cond>
-              </p:nextCondLst>
-            </p:seq>
-          </p:childTnLst>
-        </p:cTn>
-      </p:par>
-    </p:tnLst>
-    <p:bldLst>
-      <p:bldP spid="3" grpId="0" uiExpand="1" build="p"/>
-    </p:bldLst>
-  </p:timing>
 </p:sld>
 </file>
 
@@ -28605,7 +26684,7 @@
             </a:pPr>
             <a:fld id="{49B261EF-BC96-4E7A-8FD1-8F2A93D8D5F6}" type="datetime1">
               <a:rPr lang="en-US" smtClean="0"/>
-              <a:t>12/3/2017</a:t>
+              <a:t>12/4/2017</a:t>
             </a:fld>
             <a:endParaRPr lang="en-US"/>
           </a:p>
@@ -28939,7 +27018,7 @@
             </a:pPr>
             <a:fld id="{49B261EF-BC96-4E7A-8FD1-8F2A93D8D5F6}" type="datetime1">
               <a:rPr lang="en-US" smtClean="0"/>
-              <a:t>12/3/2017</a:t>
+              <a:t>12/4/2017</a:t>
             </a:fld>
             <a:endParaRPr lang="en-US"/>
           </a:p>
@@ -29326,7 +27405,7 @@
             </a:pPr>
             <a:fld id="{49B261EF-BC96-4E7A-8FD1-8F2A93D8D5F6}" type="datetime1">
               <a:rPr lang="en-US" smtClean="0"/>
-              <a:t>12/3/2017</a:t>
+              <a:t>12/4/2017</a:t>
             </a:fld>
             <a:endParaRPr lang="en-US"/>
           </a:p>
@@ -29783,7 +27862,7 @@
             </a:pPr>
             <a:fld id="{49B261EF-BC96-4E7A-8FD1-8F2A93D8D5F6}" type="datetime1">
               <a:rPr lang="en-US" smtClean="0"/>
-              <a:t>12/3/2017</a:t>
+              <a:t>12/4/2017</a:t>
             </a:fld>
             <a:endParaRPr lang="en-US"/>
           </a:p>
@@ -29930,7 +28009,7 @@
             </a:pPr>
             <a:fld id="{58912511-EA02-4B77-ABD4-5A167EA11573}" type="datetime1">
               <a:rPr lang="en-US" smtClean="0"/>
-              <a:t>12/3/2017</a:t>
+              <a:t>12/4/2017</a:t>
             </a:fld>
             <a:endParaRPr lang="en-US"/>
           </a:p>
@@ -31542,7 +29621,7 @@
                                       <p:cBhvr>
                                         <p:cTn id="6" dur="indefinite"/>
                                         <p:tgtEl>
-                                          <p:spTgt spid="6"/>
+                                          <p:spTgt spid="8"/>
                                         </p:tgtEl>
                                         <p:attrNameLst>
                                           <p:attrName>style.opacity</p:attrName>
@@ -31556,7 +29635,7 @@
                                       <p:cBhvr rctx="IE">
                                         <p:cTn id="7" dur="indefinite"/>
                                         <p:tgtEl>
-                                          <p:spTgt spid="6"/>
+                                          <p:spTgt spid="8"/>
                                         </p:tgtEl>
                                       </p:cBhvr>
                                     </p:animEffect>
@@ -31573,7 +29652,7 @@
                                       <p:cBhvr>
                                         <p:cTn id="9" dur="indefinite"/>
                                         <p:tgtEl>
-                                          <p:spTgt spid="7"/>
+                                          <p:spTgt spid="9"/>
                                         </p:tgtEl>
                                         <p:attrNameLst>
                                           <p:attrName>style.opacity</p:attrName>
@@ -31587,7 +29666,7 @@
                                       <p:cBhvr rctx="IE">
                                         <p:cTn id="10" dur="indefinite"/>
                                         <p:tgtEl>
-                                          <p:spTgt spid="7"/>
+                                          <p:spTgt spid="9"/>
                                         </p:tgtEl>
                                       </p:cBhvr>
                                     </p:animEffect>
@@ -31604,7 +29683,7 @@
                                       <p:cBhvr>
                                         <p:cTn id="12" dur="indefinite"/>
                                         <p:tgtEl>
-                                          <p:spTgt spid="8"/>
+                                          <p:spTgt spid="11"/>
                                         </p:tgtEl>
                                         <p:attrNameLst>
                                           <p:attrName>style.opacity</p:attrName>
@@ -31618,7 +29697,7 @@
                                       <p:cBhvr rctx="IE">
                                         <p:cTn id="13" dur="indefinite"/>
                                         <p:tgtEl>
-                                          <p:spTgt spid="8"/>
+                                          <p:spTgt spid="11"/>
                                         </p:tgtEl>
                                       </p:cBhvr>
                                     </p:animEffect>
@@ -31635,7 +29714,7 @@
                                       <p:cBhvr>
                                         <p:cTn id="15" dur="indefinite"/>
                                         <p:tgtEl>
-                                          <p:spTgt spid="9"/>
+                                          <p:spTgt spid="10"/>
                                         </p:tgtEl>
                                         <p:attrNameLst>
                                           <p:attrName>style.opacity</p:attrName>
@@ -31649,7 +29728,7 @@
                                       <p:cBhvr rctx="IE">
                                         <p:cTn id="16" dur="indefinite"/>
                                         <p:tgtEl>
-                                          <p:spTgt spid="9"/>
+                                          <p:spTgt spid="10"/>
                                         </p:tgtEl>
                                       </p:cBhvr>
                                     </p:animEffect>
@@ -31666,7 +29745,7 @@
                                       <p:cBhvr>
                                         <p:cTn id="18" dur="indefinite"/>
                                         <p:tgtEl>
-                                          <p:spTgt spid="10"/>
+                                          <p:spTgt spid="12"/>
                                         </p:tgtEl>
                                         <p:attrNameLst>
                                           <p:attrName>style.opacity</p:attrName>
@@ -31680,7 +29759,7 @@
                                       <p:cBhvr rctx="IE">
                                         <p:cTn id="19" dur="indefinite"/>
                                         <p:tgtEl>
-                                          <p:spTgt spid="10"/>
+                                          <p:spTgt spid="12"/>
                                         </p:tgtEl>
                                       </p:cBhvr>
                                     </p:animEffect>
@@ -31697,7 +29776,7 @@
                                       <p:cBhvr>
                                         <p:cTn id="21" dur="indefinite"/>
                                         <p:tgtEl>
-                                          <p:spTgt spid="11"/>
+                                          <p:spTgt spid="13"/>
                                         </p:tgtEl>
                                         <p:attrNameLst>
                                           <p:attrName>style.opacity</p:attrName>
@@ -31711,7 +29790,7 @@
                                       <p:cBhvr rctx="IE">
                                         <p:cTn id="22" dur="indefinite"/>
                                         <p:tgtEl>
-                                          <p:spTgt spid="11"/>
+                                          <p:spTgt spid="13"/>
                                         </p:tgtEl>
                                       </p:cBhvr>
                                     </p:animEffect>
@@ -31746,12 +29825,12 @@
       </p:par>
     </p:tnLst>
     <p:bldLst>
-      <p:bldP spid="6" grpId="0" animBg="1"/>
-      <p:bldP spid="7" grpId="0" animBg="1"/>
       <p:bldP spid="8" grpId="0" animBg="1"/>
       <p:bldP spid="9" grpId="0" animBg="1"/>
       <p:bldP spid="10" grpId="0" animBg="1"/>
       <p:bldP spid="11" grpId="0" animBg="1"/>
+      <p:bldP spid="12" grpId="0" animBg="1"/>
+      <p:bldP spid="13" grpId="0" animBg="1"/>
     </p:bldLst>
   </p:timing>
 </p:sld>
@@ -32098,7 +30177,7 @@
             </a:pPr>
             <a:fld id="{49B261EF-BC96-4E7A-8FD1-8F2A93D8D5F6}" type="datetime1">
               <a:rPr lang="en-US" smtClean="0"/>
-              <a:t>12/3/2017</a:t>
+              <a:t>12/4/2017</a:t>
             </a:fld>
             <a:endParaRPr lang="en-US"/>
           </a:p>
@@ -32275,7 +30354,7 @@
             </a:pPr>
             <a:fld id="{58912511-EA02-4B77-ABD4-5A167EA11573}" type="datetime1">
               <a:rPr lang="en-US" smtClean="0"/>
-              <a:t>12/3/2017</a:t>
+              <a:t>12/4/2017</a:t>
             </a:fld>
             <a:endParaRPr lang="en-US"/>
           </a:p>
@@ -33887,7 +31966,7 @@
                                       <p:cBhvr>
                                         <p:cTn id="6" dur="indefinite"/>
                                         <p:tgtEl>
-                                          <p:spTgt spid="6"/>
+                                          <p:spTgt spid="12"/>
                                         </p:tgtEl>
                                         <p:attrNameLst>
                                           <p:attrName>style.opacity</p:attrName>
@@ -33901,7 +31980,7 @@
                                       <p:cBhvr rctx="IE">
                                         <p:cTn id="7" dur="indefinite"/>
                                         <p:tgtEl>
-                                          <p:spTgt spid="6"/>
+                                          <p:spTgt spid="12"/>
                                         </p:tgtEl>
                                       </p:cBhvr>
                                     </p:animEffect>
@@ -33918,7 +31997,7 @@
                                       <p:cBhvr>
                                         <p:cTn id="9" dur="indefinite"/>
                                         <p:tgtEl>
-                                          <p:spTgt spid="7"/>
+                                          <p:spTgt spid="13"/>
                                         </p:tgtEl>
                                         <p:attrNameLst>
                                           <p:attrName>style.opacity</p:attrName>
@@ -33932,7 +32011,7 @@
                                       <p:cBhvr rctx="IE">
                                         <p:cTn id="10" dur="indefinite"/>
                                         <p:tgtEl>
-                                          <p:spTgt spid="7"/>
+                                          <p:spTgt spid="13"/>
                                         </p:tgtEl>
                                       </p:cBhvr>
                                     </p:animEffect>
@@ -33949,7 +32028,7 @@
                                       <p:cBhvr>
                                         <p:cTn id="12" dur="indefinite"/>
                                         <p:tgtEl>
-                                          <p:spTgt spid="8"/>
+                                          <p:spTgt spid="9"/>
                                         </p:tgtEl>
                                         <p:attrNameLst>
                                           <p:attrName>style.opacity</p:attrName>
@@ -33963,7 +32042,7 @@
                                       <p:cBhvr rctx="IE">
                                         <p:cTn id="13" dur="indefinite"/>
                                         <p:tgtEl>
-                                          <p:spTgt spid="8"/>
+                                          <p:spTgt spid="9"/>
                                         </p:tgtEl>
                                       </p:cBhvr>
                                     </p:animEffect>
@@ -33980,7 +32059,7 @@
                                       <p:cBhvr>
                                         <p:cTn id="15" dur="indefinite"/>
                                         <p:tgtEl>
-                                          <p:spTgt spid="9"/>
+                                          <p:spTgt spid="8"/>
                                         </p:tgtEl>
                                         <p:attrNameLst>
                                           <p:attrName>style.opacity</p:attrName>
@@ -33994,7 +32073,7 @@
                                       <p:cBhvr rctx="IE">
                                         <p:cTn id="16" dur="indefinite"/>
                                         <p:tgtEl>
-                                          <p:spTgt spid="9"/>
+                                          <p:spTgt spid="8"/>
                                         </p:tgtEl>
                                       </p:cBhvr>
                                     </p:animEffect>
@@ -34011,7 +32090,7 @@
                                       <p:cBhvr>
                                         <p:cTn id="18" dur="indefinite"/>
                                         <p:tgtEl>
-                                          <p:spTgt spid="10"/>
+                                          <p:spTgt spid="6"/>
                                         </p:tgtEl>
                                         <p:attrNameLst>
                                           <p:attrName>style.opacity</p:attrName>
@@ -34025,7 +32104,7 @@
                                       <p:cBhvr rctx="IE">
                                         <p:cTn id="19" dur="indefinite"/>
                                         <p:tgtEl>
-                                          <p:spTgt spid="10"/>
+                                          <p:spTgt spid="6"/>
                                         </p:tgtEl>
                                       </p:cBhvr>
                                     </p:animEffect>
@@ -34042,7 +32121,7 @@
                                       <p:cBhvr>
                                         <p:cTn id="21" dur="indefinite"/>
                                         <p:tgtEl>
-                                          <p:spTgt spid="11"/>
+                                          <p:spTgt spid="7"/>
                                         </p:tgtEl>
                                         <p:attrNameLst>
                                           <p:attrName>style.opacity</p:attrName>
@@ -34056,7 +32135,7 @@
                                       <p:cBhvr rctx="IE">
                                         <p:cTn id="22" dur="indefinite"/>
                                         <p:tgtEl>
-                                          <p:spTgt spid="11"/>
+                                          <p:spTgt spid="7"/>
                                         </p:tgtEl>
                                       </p:cBhvr>
                                     </p:animEffect>
@@ -34095,8 +32174,8 @@
       <p:bldP spid="7" grpId="0" animBg="1"/>
       <p:bldP spid="8" grpId="0" animBg="1"/>
       <p:bldP spid="9" grpId="0" animBg="1"/>
-      <p:bldP spid="10" grpId="0" animBg="1"/>
-      <p:bldP spid="11" grpId="0" animBg="1"/>
+      <p:bldP spid="12" grpId="0" animBg="1"/>
+      <p:bldP spid="13" grpId="0" animBg="1"/>
     </p:bldLst>
   </p:timing>
 </p:sld>
@@ -34310,7 +32389,7 @@
             </a:pPr>
             <a:fld id="{49B261EF-BC96-4E7A-8FD1-8F2A93D8D5F6}" type="datetime1">
               <a:rPr lang="en-US" smtClean="0"/>
-              <a:t>12/3/2017</a:t>
+              <a:t>12/4/2017</a:t>
             </a:fld>
             <a:endParaRPr lang="en-US"/>
           </a:p>
@@ -34627,7 +32706,7 @@
             </a:pPr>
             <a:fld id="{49B261EF-BC96-4E7A-8FD1-8F2A93D8D5F6}" type="datetime1">
               <a:rPr lang="en-US" smtClean="0"/>
-              <a:t>12/3/2017</a:t>
+              <a:t>12/4/2017</a:t>
             </a:fld>
             <a:endParaRPr lang="en-US"/>
           </a:p>
@@ -34958,7 +33037,7 @@
             </a:pPr>
             <a:fld id="{49B261EF-BC96-4E7A-8FD1-8F2A93D8D5F6}" type="datetime1">
               <a:rPr lang="en-US" smtClean="0"/>
-              <a:t>12/3/2017</a:t>
+              <a:t>12/4/2017</a:t>
             </a:fld>
             <a:endParaRPr lang="en-US"/>
           </a:p>
@@ -35313,7 +33392,7 @@
             </a:pPr>
             <a:fld id="{49B261EF-BC96-4E7A-8FD1-8F2A93D8D5F6}" type="datetime1">
               <a:rPr lang="en-US" smtClean="0"/>
-              <a:t>12/3/2017</a:t>
+              <a:t>12/4/2017</a:t>
             </a:fld>
             <a:endParaRPr lang="en-US"/>
           </a:p>
@@ -35430,7 +33509,7 @@
             </a:pPr>
             <a:fld id="{58912511-EA02-4B77-ABD4-5A167EA11573}" type="datetime1">
               <a:rPr lang="en-US" smtClean="0"/>
-              <a:t>12/3/2017</a:t>
+              <a:t>12/4/2017</a:t>
             </a:fld>
             <a:endParaRPr lang="en-US"/>
           </a:p>
@@ -37651,7 +35730,7 @@
             </a:pPr>
             <a:fld id="{49B261EF-BC96-4E7A-8FD1-8F2A93D8D5F6}" type="datetime1">
               <a:rPr lang="en-US" smtClean="0"/>
-              <a:t>12/3/2017</a:t>
+              <a:t>12/4/2017</a:t>
             </a:fld>
             <a:endParaRPr lang="en-US"/>
           </a:p>
@@ -37966,7 +36045,7 @@
             </a:pPr>
             <a:fld id="{49B261EF-BC96-4E7A-8FD1-8F2A93D8D5F6}" type="datetime1">
               <a:rPr lang="en-US" smtClean="0"/>
-              <a:t>12/3/2017</a:t>
+              <a:t>12/4/2017</a:t>
             </a:fld>
             <a:endParaRPr lang="en-US"/>
           </a:p>
@@ -38341,7 +36420,7 @@
             </a:pPr>
             <a:fld id="{49B261EF-BC96-4E7A-8FD1-8F2A93D8D5F6}" type="datetime1">
               <a:rPr lang="en-US" smtClean="0"/>
-              <a:t>12/3/2017</a:t>
+              <a:t>12/4/2017</a:t>
             </a:fld>
             <a:endParaRPr lang="en-US"/>
           </a:p>
@@ -38849,7 +36928,7 @@
             </a:pPr>
             <a:fld id="{422D8327-CB8C-498F-8D40-1AFE05D470C8}" type="datetime1">
               <a:rPr lang="en-US" smtClean="0"/>
-              <a:t>12/3/2017</a:t>
+              <a:t>12/4/2017</a:t>
             </a:fld>
             <a:endParaRPr lang="en-US" dirty="0"/>
           </a:p>
@@ -39129,7 +37208,7 @@
             </a:pPr>
             <a:fld id="{49B261EF-BC96-4E7A-8FD1-8F2A93D8D5F6}" type="datetime1">
               <a:rPr lang="en-US" smtClean="0"/>
-              <a:t>12/3/2017</a:t>
+              <a:t>12/4/2017</a:t>
             </a:fld>
             <a:endParaRPr lang="en-US"/>
           </a:p>
@@ -39511,7 +37590,7 @@
             </a:pPr>
             <a:fld id="{49B261EF-BC96-4E7A-8FD1-8F2A93D8D5F6}" type="datetime1">
               <a:rPr lang="en-US" smtClean="0"/>
-              <a:t>12/3/2017</a:t>
+              <a:t>12/4/2017</a:t>
             </a:fld>
             <a:endParaRPr lang="en-US"/>
           </a:p>
@@ -39833,7 +37912,7 @@
             </a:pPr>
             <a:fld id="{49B261EF-BC96-4E7A-8FD1-8F2A93D8D5F6}" type="datetime1">
               <a:rPr lang="en-US" smtClean="0"/>
-              <a:t>12/3/2017</a:t>
+              <a:t>12/4/2017</a:t>
             </a:fld>
             <a:endParaRPr lang="en-US"/>
           </a:p>
@@ -40226,7 +38305,7 @@
             </a:pPr>
             <a:fld id="{49B261EF-BC96-4E7A-8FD1-8F2A93D8D5F6}" type="datetime1">
               <a:rPr lang="en-US" smtClean="0"/>
-              <a:t>12/3/2017</a:t>
+              <a:t>12/4/2017</a:t>
             </a:fld>
             <a:endParaRPr lang="en-US"/>
           </a:p>
@@ -40485,7 +38564,7 @@
             </a:pPr>
             <a:fld id="{49B261EF-BC96-4E7A-8FD1-8F2A93D8D5F6}" type="datetime1">
               <a:rPr lang="en-US" smtClean="0"/>
-              <a:t>12/3/2017</a:t>
+              <a:t>12/4/2017</a:t>
             </a:fld>
             <a:endParaRPr lang="en-US"/>
           </a:p>
@@ -40774,7 +38853,7 @@
             </a:pPr>
             <a:fld id="{49B261EF-BC96-4E7A-8FD1-8F2A93D8D5F6}" type="datetime1">
               <a:rPr lang="en-US" smtClean="0"/>
-              <a:t>12/3/2017</a:t>
+              <a:t>12/4/2017</a:t>
             </a:fld>
             <a:endParaRPr lang="en-US"/>
           </a:p>
@@ -41087,7 +39166,7 @@
             </a:pPr>
             <a:fld id="{49B261EF-BC96-4E7A-8FD1-8F2A93D8D5F6}" type="datetime1">
               <a:rPr lang="en-US" smtClean="0"/>
-              <a:t>12/3/2017</a:t>
+              <a:t>12/4/2017</a:t>
             </a:fld>
             <a:endParaRPr lang="en-US"/>
           </a:p>
@@ -41340,7 +39419,7 @@
             </a:pPr>
             <a:fld id="{49B261EF-BC96-4E7A-8FD1-8F2A93D8D5F6}" type="datetime1">
               <a:rPr lang="en-US" smtClean="0"/>
-              <a:t>12/3/2017</a:t>
+              <a:t>12/4/2017</a:t>
             </a:fld>
             <a:endParaRPr lang="en-US"/>
           </a:p>
@@ -41597,7 +39676,7 @@
             </a:pPr>
             <a:fld id="{49B261EF-BC96-4E7A-8FD1-8F2A93D8D5F6}" type="datetime1">
               <a:rPr lang="en-US" smtClean="0"/>
-              <a:t>12/3/2017</a:t>
+              <a:t>12/4/2017</a:t>
             </a:fld>
             <a:endParaRPr lang="en-US"/>
           </a:p>
@@ -41966,7 +40045,7 @@
             </a:pPr>
             <a:fld id="{5AE3E5C7-DAA3-4F8C-BFEE-FB2D52B626A5}" type="datetime1">
               <a:rPr lang="en-US" sz="1400" smtClean="0"/>
-              <a:t>12/3/2017</a:t>
+              <a:t>12/4/2017</a:t>
             </a:fld>
             <a:endParaRPr lang="en-US" sz="1400"/>
           </a:p>
@@ -42868,7 +40947,7 @@
             </a:pPr>
             <a:fld id="{49B261EF-BC96-4E7A-8FD1-8F2A93D8D5F6}" type="datetime1">
               <a:rPr lang="en-US" smtClean="0"/>
-              <a:t>12/3/2017</a:t>
+              <a:t>12/4/2017</a:t>
             </a:fld>
             <a:endParaRPr lang="en-US"/>
           </a:p>
@@ -43181,7 +41260,7 @@
             </a:pPr>
             <a:fld id="{49B261EF-BC96-4E7A-8FD1-8F2A93D8D5F6}" type="datetime1">
               <a:rPr lang="en-US" smtClean="0"/>
-              <a:t>12/3/2017</a:t>
+              <a:t>12/4/2017</a:t>
             </a:fld>
             <a:endParaRPr lang="en-US"/>
           </a:p>
@@ -43298,7 +41377,7 @@
             </a:pPr>
             <a:fld id="{58912511-EA02-4B77-ABD4-5A167EA11573}" type="datetime1">
               <a:rPr lang="en-US" smtClean="0"/>
-              <a:t>12/3/2017</a:t>
+              <a:t>12/4/2017</a:t>
             </a:fld>
             <a:endParaRPr lang="en-US"/>
           </a:p>
@@ -44972,7 +43051,7 @@
                                       <p:cBhvr>
                                         <p:cTn id="12" dur="indefinite"/>
                                         <p:tgtEl>
-                                          <p:spTgt spid="8"/>
+                                          <p:spTgt spid="10"/>
                                         </p:tgtEl>
                                         <p:attrNameLst>
                                           <p:attrName>style.opacity</p:attrName>
@@ -44986,7 +43065,7 @@
                                       <p:cBhvr rctx="IE">
                                         <p:cTn id="13" dur="indefinite"/>
                                         <p:tgtEl>
-                                          <p:spTgt spid="8"/>
+                                          <p:spTgt spid="10"/>
                                         </p:tgtEl>
                                       </p:cBhvr>
                                     </p:animEffect>
@@ -45003,7 +43082,7 @@
                                       <p:cBhvr>
                                         <p:cTn id="15" dur="indefinite"/>
                                         <p:tgtEl>
-                                          <p:spTgt spid="9"/>
+                                          <p:spTgt spid="11"/>
                                         </p:tgtEl>
                                         <p:attrNameLst>
                                           <p:attrName>style.opacity</p:attrName>
@@ -45017,7 +43096,7 @@
                                       <p:cBhvr rctx="IE">
                                         <p:cTn id="16" dur="indefinite"/>
                                         <p:tgtEl>
-                                          <p:spTgt spid="9"/>
+                                          <p:spTgt spid="11"/>
                                         </p:tgtEl>
                                       </p:cBhvr>
                                     </p:animEffect>
@@ -45034,7 +43113,7 @@
                                       <p:cBhvr>
                                         <p:cTn id="18" dur="indefinite"/>
                                         <p:tgtEl>
-                                          <p:spTgt spid="10"/>
+                                          <p:spTgt spid="12"/>
                                         </p:tgtEl>
                                         <p:attrNameLst>
                                           <p:attrName>style.opacity</p:attrName>
@@ -45048,7 +43127,7 @@
                                       <p:cBhvr rctx="IE">
                                         <p:cTn id="19" dur="indefinite"/>
                                         <p:tgtEl>
-                                          <p:spTgt spid="10"/>
+                                          <p:spTgt spid="12"/>
                                         </p:tgtEl>
                                       </p:cBhvr>
                                     </p:animEffect>
@@ -45065,7 +43144,7 @@
                                       <p:cBhvr>
                                         <p:cTn id="21" dur="indefinite"/>
                                         <p:tgtEl>
-                                          <p:spTgt spid="11"/>
+                                          <p:spTgt spid="13"/>
                                         </p:tgtEl>
                                         <p:attrNameLst>
                                           <p:attrName>style.opacity</p:attrName>
@@ -45079,7 +43158,7 @@
                                       <p:cBhvr rctx="IE">
                                         <p:cTn id="22" dur="indefinite"/>
                                         <p:tgtEl>
-                                          <p:spTgt spid="11"/>
+                                          <p:spTgt spid="13"/>
                                         </p:tgtEl>
                                       </p:cBhvr>
                                     </p:animEffect>
@@ -45116,10 +43195,10 @@
     <p:bldLst>
       <p:bldP spid="6" grpId="0" animBg="1"/>
       <p:bldP spid="7" grpId="0" animBg="1"/>
-      <p:bldP spid="8" grpId="0" animBg="1"/>
-      <p:bldP spid="9" grpId="0" animBg="1"/>
       <p:bldP spid="10" grpId="0" animBg="1"/>
       <p:bldP spid="11" grpId="0" animBg="1"/>
+      <p:bldP spid="12" grpId="0" animBg="1"/>
+      <p:bldP spid="13" grpId="0" animBg="1"/>
     </p:bldLst>
   </p:timing>
 </p:sld>
@@ -45578,397 +43657,6 @@
   <p:clrMapOvr>
     <a:masterClrMapping/>
   </p:clrMapOvr>
-  <p:timing>
-    <p:tnLst>
-      <p:par>
-        <p:cTn id="1" dur="indefinite" restart="never" nodeType="tmRoot">
-          <p:childTnLst>
-            <p:seq concurrent="1" nextAc="seek">
-              <p:cTn id="2" dur="indefinite" nodeType="mainSeq">
-                <p:childTnLst>
-                  <p:par>
-                    <p:cTn id="3" fill="hold">
-                      <p:stCondLst>
-                        <p:cond delay="indefinite"/>
-                      </p:stCondLst>
-                      <p:childTnLst>
-                        <p:par>
-                          <p:cTn id="4" fill="hold">
-                            <p:stCondLst>
-                              <p:cond delay="0"/>
-                            </p:stCondLst>
-                            <p:childTnLst>
-                              <p:par>
-                                <p:cTn id="5" presetID="2" presetClass="entr" presetSubtype="4" fill="hold" grpId="0" nodeType="clickEffect">
-                                  <p:stCondLst>
-                                    <p:cond delay="0"/>
-                                  </p:stCondLst>
-                                  <p:childTnLst>
-                                    <p:set>
-                                      <p:cBhvr>
-                                        <p:cTn id="6" dur="1" fill="hold">
-                                          <p:stCondLst>
-                                            <p:cond delay="0"/>
-                                          </p:stCondLst>
-                                        </p:cTn>
-                                        <p:tgtEl>
-                                          <p:spTgt spid="3">
-                                            <p:txEl>
-                                              <p:pRg st="0" end="0"/>
-                                            </p:txEl>
-                                          </p:spTgt>
-                                        </p:tgtEl>
-                                        <p:attrNameLst>
-                                          <p:attrName>style.visibility</p:attrName>
-                                        </p:attrNameLst>
-                                      </p:cBhvr>
-                                      <p:to>
-                                        <p:strVal val="visible"/>
-                                      </p:to>
-                                    </p:set>
-                                    <p:anim calcmode="lin" valueType="num">
-                                      <p:cBhvr additive="base">
-                                        <p:cTn id="7" dur="250" fill="hold"/>
-                                        <p:tgtEl>
-                                          <p:spTgt spid="3">
-                                            <p:txEl>
-                                              <p:pRg st="0" end="0"/>
-                                            </p:txEl>
-                                          </p:spTgt>
-                                        </p:tgtEl>
-                                        <p:attrNameLst>
-                                          <p:attrName>ppt_x</p:attrName>
-                                        </p:attrNameLst>
-                                      </p:cBhvr>
-                                      <p:tavLst>
-                                        <p:tav tm="0">
-                                          <p:val>
-                                            <p:strVal val="#ppt_x"/>
-                                          </p:val>
-                                        </p:tav>
-                                        <p:tav tm="100000">
-                                          <p:val>
-                                            <p:strVal val="#ppt_x"/>
-                                          </p:val>
-                                        </p:tav>
-                                      </p:tavLst>
-                                    </p:anim>
-                                    <p:anim calcmode="lin" valueType="num">
-                                      <p:cBhvr additive="base">
-                                        <p:cTn id="8" dur="250" fill="hold"/>
-                                        <p:tgtEl>
-                                          <p:spTgt spid="3">
-                                            <p:txEl>
-                                              <p:pRg st="0" end="0"/>
-                                            </p:txEl>
-                                          </p:spTgt>
-                                        </p:tgtEl>
-                                        <p:attrNameLst>
-                                          <p:attrName>ppt_y</p:attrName>
-                                        </p:attrNameLst>
-                                      </p:cBhvr>
-                                      <p:tavLst>
-                                        <p:tav tm="0">
-                                          <p:val>
-                                            <p:strVal val="1+#ppt_h/2"/>
-                                          </p:val>
-                                        </p:tav>
-                                        <p:tav tm="100000">
-                                          <p:val>
-                                            <p:strVal val="#ppt_y"/>
-                                          </p:val>
-                                        </p:tav>
-                                      </p:tavLst>
-                                    </p:anim>
-                                  </p:childTnLst>
-                                </p:cTn>
-                              </p:par>
-                              <p:par>
-                                <p:cTn id="9" presetID="2" presetClass="entr" presetSubtype="4" fill="hold" grpId="0" nodeType="withEffect">
-                                  <p:stCondLst>
-                                    <p:cond delay="0"/>
-                                  </p:stCondLst>
-                                  <p:childTnLst>
-                                    <p:set>
-                                      <p:cBhvr>
-                                        <p:cTn id="10" dur="1" fill="hold">
-                                          <p:stCondLst>
-                                            <p:cond delay="0"/>
-                                          </p:stCondLst>
-                                        </p:cTn>
-                                        <p:tgtEl>
-                                          <p:spTgt spid="3">
-                                            <p:txEl>
-                                              <p:pRg st="1" end="1"/>
-                                            </p:txEl>
-                                          </p:spTgt>
-                                        </p:tgtEl>
-                                        <p:attrNameLst>
-                                          <p:attrName>style.visibility</p:attrName>
-                                        </p:attrNameLst>
-                                      </p:cBhvr>
-                                      <p:to>
-                                        <p:strVal val="visible"/>
-                                      </p:to>
-                                    </p:set>
-                                    <p:anim calcmode="lin" valueType="num">
-                                      <p:cBhvr additive="base">
-                                        <p:cTn id="11" dur="250" fill="hold"/>
-                                        <p:tgtEl>
-                                          <p:spTgt spid="3">
-                                            <p:txEl>
-                                              <p:pRg st="1" end="1"/>
-                                            </p:txEl>
-                                          </p:spTgt>
-                                        </p:tgtEl>
-                                        <p:attrNameLst>
-                                          <p:attrName>ppt_x</p:attrName>
-                                        </p:attrNameLst>
-                                      </p:cBhvr>
-                                      <p:tavLst>
-                                        <p:tav tm="0">
-                                          <p:val>
-                                            <p:strVal val="#ppt_x"/>
-                                          </p:val>
-                                        </p:tav>
-                                        <p:tav tm="100000">
-                                          <p:val>
-                                            <p:strVal val="#ppt_x"/>
-                                          </p:val>
-                                        </p:tav>
-                                      </p:tavLst>
-                                    </p:anim>
-                                    <p:anim calcmode="lin" valueType="num">
-                                      <p:cBhvr additive="base">
-                                        <p:cTn id="12" dur="250" fill="hold"/>
-                                        <p:tgtEl>
-                                          <p:spTgt spid="3">
-                                            <p:txEl>
-                                              <p:pRg st="1" end="1"/>
-                                            </p:txEl>
-                                          </p:spTgt>
-                                        </p:tgtEl>
-                                        <p:attrNameLst>
-                                          <p:attrName>ppt_y</p:attrName>
-                                        </p:attrNameLst>
-                                      </p:cBhvr>
-                                      <p:tavLst>
-                                        <p:tav tm="0">
-                                          <p:val>
-                                            <p:strVal val="1+#ppt_h/2"/>
-                                          </p:val>
-                                        </p:tav>
-                                        <p:tav tm="100000">
-                                          <p:val>
-                                            <p:strVal val="#ppt_y"/>
-                                          </p:val>
-                                        </p:tav>
-                                      </p:tavLst>
-                                    </p:anim>
-                                  </p:childTnLst>
-                                </p:cTn>
-                              </p:par>
-                              <p:par>
-                                <p:cTn id="13" presetID="2" presetClass="entr" presetSubtype="4" fill="hold" grpId="0" nodeType="withEffect">
-                                  <p:stCondLst>
-                                    <p:cond delay="0"/>
-                                  </p:stCondLst>
-                                  <p:childTnLst>
-                                    <p:set>
-                                      <p:cBhvr>
-                                        <p:cTn id="14" dur="1" fill="hold">
-                                          <p:stCondLst>
-                                            <p:cond delay="0"/>
-                                          </p:stCondLst>
-                                        </p:cTn>
-                                        <p:tgtEl>
-                                          <p:spTgt spid="3">
-                                            <p:txEl>
-                                              <p:pRg st="2" end="2"/>
-                                            </p:txEl>
-                                          </p:spTgt>
-                                        </p:tgtEl>
-                                        <p:attrNameLst>
-                                          <p:attrName>style.visibility</p:attrName>
-                                        </p:attrNameLst>
-                                      </p:cBhvr>
-                                      <p:to>
-                                        <p:strVal val="visible"/>
-                                      </p:to>
-                                    </p:set>
-                                    <p:anim calcmode="lin" valueType="num">
-                                      <p:cBhvr additive="base">
-                                        <p:cTn id="15" dur="250" fill="hold"/>
-                                        <p:tgtEl>
-                                          <p:spTgt spid="3">
-                                            <p:txEl>
-                                              <p:pRg st="2" end="2"/>
-                                            </p:txEl>
-                                          </p:spTgt>
-                                        </p:tgtEl>
-                                        <p:attrNameLst>
-                                          <p:attrName>ppt_x</p:attrName>
-                                        </p:attrNameLst>
-                                      </p:cBhvr>
-                                      <p:tavLst>
-                                        <p:tav tm="0">
-                                          <p:val>
-                                            <p:strVal val="#ppt_x"/>
-                                          </p:val>
-                                        </p:tav>
-                                        <p:tav tm="100000">
-                                          <p:val>
-                                            <p:strVal val="#ppt_x"/>
-                                          </p:val>
-                                        </p:tav>
-                                      </p:tavLst>
-                                    </p:anim>
-                                    <p:anim calcmode="lin" valueType="num">
-                                      <p:cBhvr additive="base">
-                                        <p:cTn id="16" dur="250" fill="hold"/>
-                                        <p:tgtEl>
-                                          <p:spTgt spid="3">
-                                            <p:txEl>
-                                              <p:pRg st="2" end="2"/>
-                                            </p:txEl>
-                                          </p:spTgt>
-                                        </p:tgtEl>
-                                        <p:attrNameLst>
-                                          <p:attrName>ppt_y</p:attrName>
-                                        </p:attrNameLst>
-                                      </p:cBhvr>
-                                      <p:tavLst>
-                                        <p:tav tm="0">
-                                          <p:val>
-                                            <p:strVal val="1+#ppt_h/2"/>
-                                          </p:val>
-                                        </p:tav>
-                                        <p:tav tm="100000">
-                                          <p:val>
-                                            <p:strVal val="#ppt_y"/>
-                                          </p:val>
-                                        </p:tav>
-                                      </p:tavLst>
-                                    </p:anim>
-                                  </p:childTnLst>
-                                </p:cTn>
-                              </p:par>
-                              <p:par>
-                                <p:cTn id="17" presetID="2" presetClass="entr" presetSubtype="4" fill="hold" grpId="0" nodeType="withEffect">
-                                  <p:stCondLst>
-                                    <p:cond delay="0"/>
-                                  </p:stCondLst>
-                                  <p:childTnLst>
-                                    <p:set>
-                                      <p:cBhvr>
-                                        <p:cTn id="18" dur="1" fill="hold">
-                                          <p:stCondLst>
-                                            <p:cond delay="0"/>
-                                          </p:stCondLst>
-                                        </p:cTn>
-                                        <p:tgtEl>
-                                          <p:spTgt spid="3">
-                                            <p:txEl>
-                                              <p:pRg st="3" end="3"/>
-                                            </p:txEl>
-                                          </p:spTgt>
-                                        </p:tgtEl>
-                                        <p:attrNameLst>
-                                          <p:attrName>style.visibility</p:attrName>
-                                        </p:attrNameLst>
-                                      </p:cBhvr>
-                                      <p:to>
-                                        <p:strVal val="visible"/>
-                                      </p:to>
-                                    </p:set>
-                                    <p:anim calcmode="lin" valueType="num">
-                                      <p:cBhvr additive="base">
-                                        <p:cTn id="19" dur="250" fill="hold"/>
-                                        <p:tgtEl>
-                                          <p:spTgt spid="3">
-                                            <p:txEl>
-                                              <p:pRg st="3" end="3"/>
-                                            </p:txEl>
-                                          </p:spTgt>
-                                        </p:tgtEl>
-                                        <p:attrNameLst>
-                                          <p:attrName>ppt_x</p:attrName>
-                                        </p:attrNameLst>
-                                      </p:cBhvr>
-                                      <p:tavLst>
-                                        <p:tav tm="0">
-                                          <p:val>
-                                            <p:strVal val="#ppt_x"/>
-                                          </p:val>
-                                        </p:tav>
-                                        <p:tav tm="100000">
-                                          <p:val>
-                                            <p:strVal val="#ppt_x"/>
-                                          </p:val>
-                                        </p:tav>
-                                      </p:tavLst>
-                                    </p:anim>
-                                    <p:anim calcmode="lin" valueType="num">
-                                      <p:cBhvr additive="base">
-                                        <p:cTn id="20" dur="250" fill="hold"/>
-                                        <p:tgtEl>
-                                          <p:spTgt spid="3">
-                                            <p:txEl>
-                                              <p:pRg st="3" end="3"/>
-                                            </p:txEl>
-                                          </p:spTgt>
-                                        </p:tgtEl>
-                                        <p:attrNameLst>
-                                          <p:attrName>ppt_y</p:attrName>
-                                        </p:attrNameLst>
-                                      </p:cBhvr>
-                                      <p:tavLst>
-                                        <p:tav tm="0">
-                                          <p:val>
-                                            <p:strVal val="1+#ppt_h/2"/>
-                                          </p:val>
-                                        </p:tav>
-                                        <p:tav tm="100000">
-                                          <p:val>
-                                            <p:strVal val="#ppt_y"/>
-                                          </p:val>
-                                        </p:tav>
-                                      </p:tavLst>
-                                    </p:anim>
-                                  </p:childTnLst>
-                                </p:cTn>
-                              </p:par>
-                            </p:childTnLst>
-                          </p:cTn>
-                        </p:par>
-                      </p:childTnLst>
-                    </p:cTn>
-                  </p:par>
-                </p:childTnLst>
-              </p:cTn>
-              <p:prevCondLst>
-                <p:cond evt="onPrev" delay="0">
-                  <p:tgtEl>
-                    <p:sldTgt/>
-                  </p:tgtEl>
-                </p:cond>
-              </p:prevCondLst>
-              <p:nextCondLst>
-                <p:cond evt="onNext" delay="0">
-                  <p:tgtEl>
-                    <p:sldTgt/>
-                  </p:tgtEl>
-                </p:cond>
-              </p:nextCondLst>
-            </p:seq>
-          </p:childTnLst>
-        </p:cTn>
-      </p:par>
-    </p:tnLst>
-    <p:bldLst>
-      <p:bldP spid="3" grpId="0" uiExpand="1" build="p"/>
-    </p:bldLst>
-  </p:timing>
 </p:sld>
 </file>
 
@@ -46301,312 +43989,6 @@
   <p:clrMapOvr>
     <a:masterClrMapping/>
   </p:clrMapOvr>
-  <p:timing>
-    <p:tnLst>
-      <p:par>
-        <p:cTn id="1" dur="indefinite" restart="never" nodeType="tmRoot">
-          <p:childTnLst>
-            <p:seq concurrent="1" nextAc="seek">
-              <p:cTn id="2" dur="indefinite" nodeType="mainSeq">
-                <p:childTnLst>
-                  <p:par>
-                    <p:cTn id="3" fill="hold">
-                      <p:stCondLst>
-                        <p:cond delay="indefinite"/>
-                      </p:stCondLst>
-                      <p:childTnLst>
-                        <p:par>
-                          <p:cTn id="4" fill="hold">
-                            <p:stCondLst>
-                              <p:cond delay="0"/>
-                            </p:stCondLst>
-                            <p:childTnLst>
-                              <p:par>
-                                <p:cTn id="5" presetID="2" presetClass="entr" presetSubtype="4" fill="hold" grpId="0" nodeType="clickEffect">
-                                  <p:stCondLst>
-                                    <p:cond delay="0"/>
-                                  </p:stCondLst>
-                                  <p:childTnLst>
-                                    <p:set>
-                                      <p:cBhvr>
-                                        <p:cTn id="6" dur="1" fill="hold">
-                                          <p:stCondLst>
-                                            <p:cond delay="0"/>
-                                          </p:stCondLst>
-                                        </p:cTn>
-                                        <p:tgtEl>
-                                          <p:spTgt spid="3">
-                                            <p:txEl>
-                                              <p:pRg st="0" end="0"/>
-                                            </p:txEl>
-                                          </p:spTgt>
-                                        </p:tgtEl>
-                                        <p:attrNameLst>
-                                          <p:attrName>style.visibility</p:attrName>
-                                        </p:attrNameLst>
-                                      </p:cBhvr>
-                                      <p:to>
-                                        <p:strVal val="visible"/>
-                                      </p:to>
-                                    </p:set>
-                                    <p:anim calcmode="lin" valueType="num">
-                                      <p:cBhvr additive="base">
-                                        <p:cTn id="7" dur="250" fill="hold"/>
-                                        <p:tgtEl>
-                                          <p:spTgt spid="3">
-                                            <p:txEl>
-                                              <p:pRg st="0" end="0"/>
-                                            </p:txEl>
-                                          </p:spTgt>
-                                        </p:tgtEl>
-                                        <p:attrNameLst>
-                                          <p:attrName>ppt_x</p:attrName>
-                                        </p:attrNameLst>
-                                      </p:cBhvr>
-                                      <p:tavLst>
-                                        <p:tav tm="0">
-                                          <p:val>
-                                            <p:strVal val="#ppt_x"/>
-                                          </p:val>
-                                        </p:tav>
-                                        <p:tav tm="100000">
-                                          <p:val>
-                                            <p:strVal val="#ppt_x"/>
-                                          </p:val>
-                                        </p:tav>
-                                      </p:tavLst>
-                                    </p:anim>
-                                    <p:anim calcmode="lin" valueType="num">
-                                      <p:cBhvr additive="base">
-                                        <p:cTn id="8" dur="250" fill="hold"/>
-                                        <p:tgtEl>
-                                          <p:spTgt spid="3">
-                                            <p:txEl>
-                                              <p:pRg st="0" end="0"/>
-                                            </p:txEl>
-                                          </p:spTgt>
-                                        </p:tgtEl>
-                                        <p:attrNameLst>
-                                          <p:attrName>ppt_y</p:attrName>
-                                        </p:attrNameLst>
-                                      </p:cBhvr>
-                                      <p:tavLst>
-                                        <p:tav tm="0">
-                                          <p:val>
-                                            <p:strVal val="1+#ppt_h/2"/>
-                                          </p:val>
-                                        </p:tav>
-                                        <p:tav tm="100000">
-                                          <p:val>
-                                            <p:strVal val="#ppt_y"/>
-                                          </p:val>
-                                        </p:tav>
-                                      </p:tavLst>
-                                    </p:anim>
-                                  </p:childTnLst>
-                                </p:cTn>
-                              </p:par>
-                              <p:par>
-                                <p:cTn id="9" presetID="2" presetClass="entr" presetSubtype="4" fill="hold" grpId="0" nodeType="withEffect">
-                                  <p:stCondLst>
-                                    <p:cond delay="0"/>
-                                  </p:stCondLst>
-                                  <p:childTnLst>
-                                    <p:set>
-                                      <p:cBhvr>
-                                        <p:cTn id="10" dur="1" fill="hold">
-                                          <p:stCondLst>
-                                            <p:cond delay="0"/>
-                                          </p:stCondLst>
-                                        </p:cTn>
-                                        <p:tgtEl>
-                                          <p:spTgt spid="3">
-                                            <p:txEl>
-                                              <p:pRg st="1" end="1"/>
-                                            </p:txEl>
-                                          </p:spTgt>
-                                        </p:tgtEl>
-                                        <p:attrNameLst>
-                                          <p:attrName>style.visibility</p:attrName>
-                                        </p:attrNameLst>
-                                      </p:cBhvr>
-                                      <p:to>
-                                        <p:strVal val="visible"/>
-                                      </p:to>
-                                    </p:set>
-                                    <p:anim calcmode="lin" valueType="num">
-                                      <p:cBhvr additive="base">
-                                        <p:cTn id="11" dur="250" fill="hold"/>
-                                        <p:tgtEl>
-                                          <p:spTgt spid="3">
-                                            <p:txEl>
-                                              <p:pRg st="1" end="1"/>
-                                            </p:txEl>
-                                          </p:spTgt>
-                                        </p:tgtEl>
-                                        <p:attrNameLst>
-                                          <p:attrName>ppt_x</p:attrName>
-                                        </p:attrNameLst>
-                                      </p:cBhvr>
-                                      <p:tavLst>
-                                        <p:tav tm="0">
-                                          <p:val>
-                                            <p:strVal val="#ppt_x"/>
-                                          </p:val>
-                                        </p:tav>
-                                        <p:tav tm="100000">
-                                          <p:val>
-                                            <p:strVal val="#ppt_x"/>
-                                          </p:val>
-                                        </p:tav>
-                                      </p:tavLst>
-                                    </p:anim>
-                                    <p:anim calcmode="lin" valueType="num">
-                                      <p:cBhvr additive="base">
-                                        <p:cTn id="12" dur="250" fill="hold"/>
-                                        <p:tgtEl>
-                                          <p:spTgt spid="3">
-                                            <p:txEl>
-                                              <p:pRg st="1" end="1"/>
-                                            </p:txEl>
-                                          </p:spTgt>
-                                        </p:tgtEl>
-                                        <p:attrNameLst>
-                                          <p:attrName>ppt_y</p:attrName>
-                                        </p:attrNameLst>
-                                      </p:cBhvr>
-                                      <p:tavLst>
-                                        <p:tav tm="0">
-                                          <p:val>
-                                            <p:strVal val="1+#ppt_h/2"/>
-                                          </p:val>
-                                        </p:tav>
-                                        <p:tav tm="100000">
-                                          <p:val>
-                                            <p:strVal val="#ppt_y"/>
-                                          </p:val>
-                                        </p:tav>
-                                      </p:tavLst>
-                                    </p:anim>
-                                  </p:childTnLst>
-                                </p:cTn>
-                              </p:par>
-                              <p:par>
-                                <p:cTn id="13" presetID="2" presetClass="entr" presetSubtype="4" fill="hold" grpId="0" nodeType="withEffect">
-                                  <p:stCondLst>
-                                    <p:cond delay="0"/>
-                                  </p:stCondLst>
-                                  <p:childTnLst>
-                                    <p:set>
-                                      <p:cBhvr>
-                                        <p:cTn id="14" dur="1" fill="hold">
-                                          <p:stCondLst>
-                                            <p:cond delay="0"/>
-                                          </p:stCondLst>
-                                        </p:cTn>
-                                        <p:tgtEl>
-                                          <p:spTgt spid="3">
-                                            <p:txEl>
-                                              <p:pRg st="7" end="7"/>
-                                            </p:txEl>
-                                          </p:spTgt>
-                                        </p:tgtEl>
-                                        <p:attrNameLst>
-                                          <p:attrName>style.visibility</p:attrName>
-                                        </p:attrNameLst>
-                                      </p:cBhvr>
-                                      <p:to>
-                                        <p:strVal val="visible"/>
-                                      </p:to>
-                                    </p:set>
-                                    <p:anim calcmode="lin" valueType="num">
-                                      <p:cBhvr additive="base">
-                                        <p:cTn id="15" dur="250" fill="hold"/>
-                                        <p:tgtEl>
-                                          <p:spTgt spid="3">
-                                            <p:txEl>
-                                              <p:pRg st="7" end="7"/>
-                                            </p:txEl>
-                                          </p:spTgt>
-                                        </p:tgtEl>
-                                        <p:attrNameLst>
-                                          <p:attrName>ppt_x</p:attrName>
-                                        </p:attrNameLst>
-                                      </p:cBhvr>
-                                      <p:tavLst>
-                                        <p:tav tm="0">
-                                          <p:val>
-                                            <p:strVal val="#ppt_x"/>
-                                          </p:val>
-                                        </p:tav>
-                                        <p:tav tm="100000">
-                                          <p:val>
-                                            <p:strVal val="#ppt_x"/>
-                                          </p:val>
-                                        </p:tav>
-                                      </p:tavLst>
-                                    </p:anim>
-                                    <p:anim calcmode="lin" valueType="num">
-                                      <p:cBhvr additive="base">
-                                        <p:cTn id="16" dur="250" fill="hold"/>
-                                        <p:tgtEl>
-                                          <p:spTgt spid="3">
-                                            <p:txEl>
-                                              <p:pRg st="7" end="7"/>
-                                            </p:txEl>
-                                          </p:spTgt>
-                                        </p:tgtEl>
-                                        <p:attrNameLst>
-                                          <p:attrName>ppt_y</p:attrName>
-                                        </p:attrNameLst>
-                                      </p:cBhvr>
-                                      <p:tavLst>
-                                        <p:tav tm="0">
-                                          <p:val>
-                                            <p:strVal val="1+#ppt_h/2"/>
-                                          </p:val>
-                                        </p:tav>
-                                        <p:tav tm="100000">
-                                          <p:val>
-                                            <p:strVal val="#ppt_y"/>
-                                          </p:val>
-                                        </p:tav>
-                                      </p:tavLst>
-                                    </p:anim>
-                                  </p:childTnLst>
-                                </p:cTn>
-                              </p:par>
-                            </p:childTnLst>
-                          </p:cTn>
-                        </p:par>
-                      </p:childTnLst>
-                    </p:cTn>
-                  </p:par>
-                </p:childTnLst>
-              </p:cTn>
-              <p:prevCondLst>
-                <p:cond evt="onPrev" delay="0">
-                  <p:tgtEl>
-                    <p:sldTgt/>
-                  </p:tgtEl>
-                </p:cond>
-              </p:prevCondLst>
-              <p:nextCondLst>
-                <p:cond evt="onNext" delay="0">
-                  <p:tgtEl>
-                    <p:sldTgt/>
-                  </p:tgtEl>
-                </p:cond>
-              </p:nextCondLst>
-            </p:seq>
-          </p:childTnLst>
-        </p:cTn>
-      </p:par>
-    </p:tnLst>
-    <p:bldLst>
-      <p:bldP spid="3" grpId="0" uiExpand="1" build="p"/>
-    </p:bldLst>
-  </p:timing>
 </p:sld>
 </file>
 
